--- a/Documentation/הסבת חלקות דו-ממדיות בתהליך.pptx
+++ b/Documentation/הסבת חלקות דו-ממדיות בתהליך.pptx
@@ -204,7 +204,7 @@
           <a:p>
             <a:fld id="{0567D346-E0A4-480D-8576-CDC0E4C76307}" type="datetimeFigureOut">
               <a:rPr lang="he-IL" smtClean="0"/>
-              <a:t>ט"ז/אלול/תשפ"ב</a:t>
+              <a:t>י"א/שבט/תשפ"ג</a:t>
             </a:fld>
             <a:endParaRPr lang="he-IL"/>
           </a:p>
@@ -268,35 +268,35 @@
           <a:p>
             <a:pPr lvl="0"/>
             <a:r>
-              <a:rPr lang="en-US" smtClean="0"/>
+              <a:rPr lang="en-US"/>
               <a:t>Edit Master text styles</a:t>
             </a:r>
           </a:p>
           <a:p>
             <a:pPr lvl="1"/>
             <a:r>
-              <a:rPr lang="en-US" smtClean="0"/>
+              <a:rPr lang="en-US"/>
               <a:t>Second level</a:t>
             </a:r>
           </a:p>
           <a:p>
             <a:pPr lvl="2"/>
             <a:r>
-              <a:rPr lang="en-US" smtClean="0"/>
+              <a:rPr lang="en-US"/>
               <a:t>Third level</a:t>
             </a:r>
           </a:p>
           <a:p>
             <a:pPr lvl="3"/>
             <a:r>
-              <a:rPr lang="en-US" smtClean="0"/>
+              <a:rPr lang="en-US"/>
               <a:t>Fourth level</a:t>
             </a:r>
           </a:p>
           <a:p>
             <a:pPr lvl="4"/>
             <a:r>
-              <a:rPr lang="en-US" smtClean="0"/>
+              <a:rPr lang="en-US"/>
               <a:t>Fifth level</a:t>
             </a:r>
             <a:endParaRPr lang="he-IL"/>
@@ -745,7 +745,7 @@
           <a:p>
             <a:fld id="{40DF87CD-148B-4E7A-85EE-645F5406764B}" type="datetimeFigureOut">
               <a:rPr lang="he-IL" smtClean="0"/>
-              <a:t>ט"ז/אלול/תשפ"ב</a:t>
+              <a:t>י"א/שבט/תשפ"ג</a:t>
             </a:fld>
             <a:endParaRPr lang="he-IL"/>
           </a:p>
@@ -916,7 +916,7 @@
           <a:p>
             <a:fld id="{40DF87CD-148B-4E7A-85EE-645F5406764B}" type="datetimeFigureOut">
               <a:rPr lang="he-IL" smtClean="0"/>
-              <a:t>ט"ז/אלול/תשפ"ב</a:t>
+              <a:t>י"א/שבט/תשפ"ג</a:t>
             </a:fld>
             <a:endParaRPr lang="he-IL"/>
           </a:p>
@@ -1097,7 +1097,7 @@
           <a:p>
             <a:fld id="{40DF87CD-148B-4E7A-85EE-645F5406764B}" type="datetimeFigureOut">
               <a:rPr lang="he-IL" smtClean="0"/>
-              <a:t>ט"ז/אלול/תשפ"ב</a:t>
+              <a:t>י"א/שבט/תשפ"ג</a:t>
             </a:fld>
             <a:endParaRPr lang="he-IL"/>
           </a:p>
@@ -1268,7 +1268,7 @@
           <a:p>
             <a:fld id="{40DF87CD-148B-4E7A-85EE-645F5406764B}" type="datetimeFigureOut">
               <a:rPr lang="he-IL" smtClean="0"/>
-              <a:t>ט"ז/אלול/תשפ"ב</a:t>
+              <a:t>י"א/שבט/תשפ"ג</a:t>
             </a:fld>
             <a:endParaRPr lang="he-IL"/>
           </a:p>
@@ -1515,7 +1515,7 @@
           <a:p>
             <a:fld id="{40DF87CD-148B-4E7A-85EE-645F5406764B}" type="datetimeFigureOut">
               <a:rPr lang="he-IL" smtClean="0"/>
-              <a:t>ט"ז/אלול/תשפ"ב</a:t>
+              <a:t>י"א/שבט/תשפ"ג</a:t>
             </a:fld>
             <a:endParaRPr lang="he-IL"/>
           </a:p>
@@ -1748,7 +1748,7 @@
           <a:p>
             <a:fld id="{40DF87CD-148B-4E7A-85EE-645F5406764B}" type="datetimeFigureOut">
               <a:rPr lang="he-IL" smtClean="0"/>
-              <a:t>ט"ז/אלול/תשפ"ב</a:t>
+              <a:t>י"א/שבט/תשפ"ג</a:t>
             </a:fld>
             <a:endParaRPr lang="he-IL"/>
           </a:p>
@@ -2116,7 +2116,7 @@
           <a:p>
             <a:fld id="{40DF87CD-148B-4E7A-85EE-645F5406764B}" type="datetimeFigureOut">
               <a:rPr lang="he-IL" smtClean="0"/>
-              <a:t>ט"ז/אלול/תשפ"ב</a:t>
+              <a:t>י"א/שבט/תשפ"ג</a:t>
             </a:fld>
             <a:endParaRPr lang="he-IL"/>
           </a:p>
@@ -2235,7 +2235,7 @@
           <a:p>
             <a:fld id="{40DF87CD-148B-4E7A-85EE-645F5406764B}" type="datetimeFigureOut">
               <a:rPr lang="he-IL" smtClean="0"/>
-              <a:t>ט"ז/אלול/תשפ"ב</a:t>
+              <a:t>י"א/שבט/תשפ"ג</a:t>
             </a:fld>
             <a:endParaRPr lang="he-IL"/>
           </a:p>
@@ -2331,7 +2331,7 @@
           <a:p>
             <a:fld id="{40DF87CD-148B-4E7A-85EE-645F5406764B}" type="datetimeFigureOut">
               <a:rPr lang="he-IL" smtClean="0"/>
-              <a:t>ט"ז/אלול/תשפ"ב</a:t>
+              <a:t>י"א/שבט/תשפ"ג</a:t>
             </a:fld>
             <a:endParaRPr lang="he-IL"/>
           </a:p>
@@ -2609,7 +2609,7 @@
           <a:p>
             <a:fld id="{40DF87CD-148B-4E7A-85EE-645F5406764B}" type="datetimeFigureOut">
               <a:rPr lang="he-IL" smtClean="0"/>
-              <a:t>ט"ז/אלול/תשפ"ב</a:t>
+              <a:t>י"א/שבט/תשפ"ג</a:t>
             </a:fld>
             <a:endParaRPr lang="he-IL"/>
           </a:p>
@@ -2867,7 +2867,7 @@
           <a:p>
             <a:fld id="{40DF87CD-148B-4E7A-85EE-645F5406764B}" type="datetimeFigureOut">
               <a:rPr lang="he-IL" smtClean="0"/>
-              <a:t>ט"ז/אלול/תשפ"ב</a:t>
+              <a:t>י"א/שבט/תשפ"ג</a:t>
             </a:fld>
             <a:endParaRPr lang="he-IL"/>
           </a:p>
@@ -3081,7 +3081,7 @@
           <a:p>
             <a:fld id="{40DF87CD-148B-4E7A-85EE-645F5406764B}" type="datetimeFigureOut">
               <a:rPr lang="he-IL" smtClean="0"/>
-              <a:t>ט"ז/אלול/תשפ"ב</a:t>
+              <a:t>י"א/שבט/תשפ"ג</a:t>
             </a:fld>
             <a:endParaRPr lang="he-IL"/>
           </a:p>
@@ -3557,7 +3557,7 @@
               <a:defRPr/>
             </a:pPr>
             <a:r>
-              <a:rPr kumimoji="0" lang="he-IL" sz="4000" b="1" i="0" u="none" strike="noStrike" kern="1200" cap="none" spc="0" normalizeH="0" baseline="0" noProof="0" dirty="0" smtClean="0">
+              <a:rPr kumimoji="0" lang="he-IL" sz="4000" b="1" i="0" u="none" strike="noStrike" kern="1200" cap="none" spc="0" normalizeH="0" baseline="0" noProof="0" dirty="0">
                 <a:ln>
                   <a:noFill/>
                 </a:ln>
@@ -3573,7 +3573,7 @@
               <a:t>חלקות (דו-ממדיות)</a:t>
             </a:r>
             <a:r>
-              <a:rPr kumimoji="0" lang="he-IL" sz="4000" b="1" i="0" u="none" strike="noStrike" kern="1200" cap="none" spc="0" normalizeH="0" noProof="0" dirty="0" smtClean="0">
+              <a:rPr kumimoji="0" lang="he-IL" sz="4000" b="1" i="0" u="none" strike="noStrike" kern="1200" cap="none" spc="0" normalizeH="0" noProof="0" dirty="0">
                 <a:ln>
                   <a:noFill/>
                 </a:ln>
@@ -3589,7 +3589,7 @@
               <a:t> </a:t>
             </a:r>
             <a:r>
-              <a:rPr kumimoji="0" lang="he-IL" sz="4000" b="1" i="0" u="none" strike="noStrike" kern="1200" cap="none" spc="0" normalizeH="0" baseline="0" noProof="0" dirty="0" smtClean="0">
+              <a:rPr kumimoji="0" lang="he-IL" sz="4000" b="1" i="0" u="none" strike="noStrike" kern="1200" cap="none" spc="0" normalizeH="0" baseline="0" noProof="0" dirty="0">
                 <a:ln>
                   <a:noFill/>
                 </a:ln>
@@ -3604,19 +3604,6 @@
               </a:rPr>
               <a:t>בתהליך - סכמה חדשה</a:t>
             </a:r>
-            <a:endParaRPr kumimoji="0" lang="he-IL" sz="4000" b="1" i="0" u="none" strike="noStrike" kern="1200" cap="none" spc="0" normalizeH="0" baseline="0" noProof="0" dirty="0">
-              <a:ln>
-                <a:noFill/>
-              </a:ln>
-              <a:solidFill>
-                <a:srgbClr val="002060"/>
-              </a:solidFill>
-              <a:effectLst/>
-              <a:uLnTx/>
-              <a:uFillTx/>
-              <a:latin typeface="Calibri" panose="020F0502020204030204"/>
-              <a:cs typeface="Arial" panose="020B0604020202020204" pitchFamily="34" charset="0"/>
-            </a:endParaRPr>
           </a:p>
         </p:txBody>
       </p:sp>
@@ -3661,13 +3648,6 @@
     <a:masterClrMapping/>
   </p:clrMapOvr>
   <p:transition/>
-  <p:timing>
-    <p:tnLst>
-      <p:par>
-        <p:cTn id="1" dur="indefinite" restart="never" nodeType="tmRoot"/>
-      </p:par>
-    </p:tnLst>
-  </p:timing>
 </p:sld>
 </file>
 
@@ -3742,7 +3722,7 @@
           <a:p>
             <a:pPr algn="r"/>
             <a:r>
-              <a:rPr lang="he-IL" sz="3600" dirty="0" smtClean="0">
+              <a:rPr lang="he-IL" sz="3600" dirty="0">
                 <a:solidFill>
                   <a:srgbClr val="002060"/>
                 </a:solidFill>
@@ -3752,7 +3732,7 @@
               <a:t>מבנה טבלת </a:t>
             </a:r>
             <a:r>
-              <a:rPr lang="he-IL" sz="3600" dirty="0" smtClean="0">
+              <a:rPr lang="he-IL" sz="3600" dirty="0">
                 <a:solidFill>
                   <a:srgbClr val="002060"/>
                 </a:solidFill>
@@ -3760,7 +3740,7 @@
               <a:t>חלקות בתהליך </a:t>
             </a:r>
             <a:r>
-              <a:rPr lang="he-IL" sz="3600" dirty="0" smtClean="0">
+              <a:rPr lang="he-IL" sz="3600" dirty="0">
                 <a:solidFill>
                   <a:srgbClr val="002060"/>
                 </a:solidFill>
@@ -3769,13 +3749,6 @@
               </a:rPr>
               <a:t>בסכמה החדשה</a:t>
             </a:r>
-            <a:endParaRPr lang="he-IL" sz="3600" dirty="0">
-              <a:solidFill>
-                <a:srgbClr val="002060"/>
-              </a:solidFill>
-              <a:latin typeface="Calibri" panose="020F0502020204030204" pitchFamily="34" charset="0"/>
-              <a:cs typeface="Calibri" panose="020F0502020204030204" pitchFamily="34" charset="0"/>
-            </a:endParaRPr>
           </a:p>
         </p:txBody>
       </p:sp>
@@ -3907,13 +3880,13 @@
                         <a:t>כינוי </a:t>
                       </a:r>
                       <a:r>
-                        <a:rPr lang="en-US" sz="2400" b="1" u="none" strike="noStrike" smtClean="0">
+                        <a:rPr lang="en-US" sz="2400" b="1" u="none" strike="noStrike">
                           <a:effectLst/>
                         </a:rPr>
                         <a:t>alias)</a:t>
                       </a:r>
                       <a:r>
-                        <a:rPr lang="he-IL" sz="2400" b="1" u="none" strike="noStrike" smtClean="0">
+                        <a:rPr lang="he-IL" sz="2400" b="1" u="none" strike="noStrike">
                           <a:effectLst/>
                         </a:rPr>
                         <a:t>)</a:t>
@@ -3949,13 +3922,13 @@
                         <a:t>האם קיים </a:t>
                       </a:r>
                       <a:r>
-                        <a:rPr lang="en-US" sz="2400" b="1" u="none" strike="noStrike" smtClean="0">
+                        <a:rPr lang="en-US" sz="2400" b="1" u="none" strike="noStrike">
                           <a:effectLst/>
                         </a:rPr>
                         <a:t>LUT</a:t>
                       </a:r>
                       <a:r>
-                        <a:rPr lang="he-IL" sz="2400" b="1" u="none" strike="noStrike" smtClean="0">
+                        <a:rPr lang="he-IL" sz="2400" b="1" u="none" strike="noStrike">
                           <a:effectLst/>
                         </a:rPr>
                         <a:t> ?</a:t>
@@ -4008,7 +3981,7 @@
                         <a:defRPr/>
                       </a:pPr>
                       <a:r>
-                        <a:rPr lang="en-US" sz="1400" b="0" kern="1200" dirty="0" smtClean="0">
+                        <a:rPr lang="en-US" sz="1400" b="0" kern="1200" dirty="0">
                           <a:solidFill>
                             <a:schemeClr val="tx1"/>
                           </a:solidFill>
@@ -4034,7 +4007,7 @@
                     <a:p>
                       <a:pPr algn="ctr" rtl="0" fontAlgn="b"/>
                       <a:r>
-                        <a:rPr lang="en-US" sz="1400" b="0" i="0" u="none" strike="noStrike" dirty="0" err="1" smtClean="0">
+                        <a:rPr lang="en-US" sz="1400" b="0" i="0" u="none" strike="noStrike" dirty="0" err="1">
                           <a:solidFill>
                             <a:srgbClr val="000000"/>
                           </a:solidFill>
@@ -4092,7 +4065,7 @@
                     <a:p>
                       <a:pPr algn="ctr" rtl="1" fontAlgn="b"/>
                       <a:r>
-                        <a:rPr lang="he-IL" sz="1400" b="0" i="0" u="none" strike="noStrike" dirty="0" smtClean="0">
+                        <a:rPr lang="he-IL" sz="1400" b="0" i="0" u="none" strike="noStrike" dirty="0">
                           <a:solidFill>
                             <a:srgbClr val="000000"/>
                           </a:solidFill>
@@ -4102,14 +4075,6 @@
                         </a:rPr>
                         <a:t>לא</a:t>
                       </a:r>
-                      <a:endParaRPr lang="he-IL" sz="1400" b="0" i="0" u="none" strike="noStrike" dirty="0">
-                        <a:solidFill>
-                          <a:srgbClr val="000000"/>
-                        </a:solidFill>
-                        <a:effectLst/>
-                        <a:latin typeface="+mn-lt"/>
-                        <a:cs typeface="+mn-cs"/>
-                      </a:endParaRPr>
                     </a:p>
                   </a:txBody>
                   <a:tcPr marL="9525" marR="9525" marT="9525" marB="0" anchor="ctr">
@@ -4132,7 +4097,7 @@
                     <a:p>
                       <a:pPr algn="ctr" rtl="0" fontAlgn="b"/>
                       <a:r>
-                        <a:rPr lang="en-US" sz="1400" b="0" i="0" u="none" strike="noStrike" dirty="0" smtClean="0">
+                        <a:rPr lang="en-US" sz="1400" b="0" i="0" u="none" strike="noStrike" dirty="0">
                           <a:solidFill>
                             <a:srgbClr val="000000"/>
                           </a:solidFill>
@@ -4141,6 +4106,31 @@
                           <a:cs typeface="+mn-cs"/>
                         </a:rPr>
                         <a:t>ParcelNumber</a:t>
+                      </a:r>
+                    </a:p>
+                  </a:txBody>
+                  <a:tcPr marL="9525" marR="9525" marT="9525" marB="0" anchor="ctr">
+                    <a:solidFill>
+                      <a:schemeClr val="bg1"/>
+                    </a:solidFill>
+                  </a:tcPr>
+                </a:tc>
+                <a:tc>
+                  <a:txBody>
+                    <a:bodyPr/>
+                    <a:lstStyle/>
+                    <a:p>
+                      <a:pPr algn="ctr" rtl="0" fontAlgn="b"/>
+                      <a:r>
+                        <a:rPr lang="en-US" sz="1400" b="0" i="0" u="none" strike="noStrike" dirty="0" err="1">
+                          <a:solidFill>
+                            <a:srgbClr val="000000"/>
+                          </a:solidFill>
+                          <a:effectLst/>
+                          <a:latin typeface="+mn-lt"/>
+                          <a:cs typeface="+mn-cs"/>
+                        </a:rPr>
+                        <a:t>int</a:t>
                       </a:r>
                       <a:endParaRPr lang="en-US" sz="1400" b="0" i="0" u="none" strike="noStrike" dirty="0">
                         <a:solidFill>
@@ -4163,9 +4153,9 @@
                     <a:bodyPr/>
                     <a:lstStyle/>
                     <a:p>
-                      <a:pPr algn="ctr" rtl="0" fontAlgn="b"/>
-                      <a:r>
-                        <a:rPr lang="en-US" sz="1400" b="0" i="0" u="none" strike="noStrike" dirty="0" err="1" smtClean="0">
+                      <a:pPr algn="ctr" rtl="1" fontAlgn="b"/>
+                      <a:r>
+                        <a:rPr lang="he-IL" sz="1400" b="0" i="0" u="none" strike="noStrike">
                           <a:solidFill>
                             <a:srgbClr val="000000"/>
                           </a:solidFill>
@@ -4173,19 +4163,11 @@
                           <a:latin typeface="+mn-lt"/>
                           <a:cs typeface="+mn-cs"/>
                         </a:rPr>
-                        <a:t>int</a:t>
-                      </a:r>
-                      <a:endParaRPr lang="en-US" sz="1400" b="0" i="0" u="none" strike="noStrike" dirty="0">
-                        <a:solidFill>
-                          <a:srgbClr val="000000"/>
-                        </a:solidFill>
-                        <a:effectLst/>
-                        <a:latin typeface="+mn-lt"/>
-                        <a:cs typeface="+mn-cs"/>
-                      </a:endParaRPr>
-                    </a:p>
-                  </a:txBody>
-                  <a:tcPr marL="9525" marR="9525" marT="9525" marB="0" anchor="ctr">
+                        <a:t>מספר חלקה</a:t>
+                      </a:r>
+                    </a:p>
+                  </a:txBody>
+                  <a:tcPr marL="9525" marR="9525" marT="9525" marB="0" anchor="b">
                     <a:solidFill>
                       <a:schemeClr val="bg1"/>
                     </a:solidFill>
@@ -4198,7 +4180,7 @@
                     <a:p>
                       <a:pPr algn="ctr" rtl="1" fontAlgn="b"/>
                       <a:r>
-                        <a:rPr lang="he-IL" sz="1400" b="0" i="0" u="none" strike="noStrike">
+                        <a:rPr lang="he-IL" sz="1400" b="0" i="0" u="none" strike="noStrike" dirty="0">
                           <a:solidFill>
                             <a:srgbClr val="000000"/>
                           </a:solidFill>
@@ -4206,41 +4188,8 @@
                           <a:latin typeface="+mn-lt"/>
                           <a:cs typeface="+mn-cs"/>
                         </a:rPr>
-                        <a:t>מספר חלקה</a:t>
-                      </a:r>
-                    </a:p>
-                  </a:txBody>
-                  <a:tcPr marL="9525" marR="9525" marT="9525" marB="0" anchor="b">
-                    <a:solidFill>
-                      <a:schemeClr val="bg1"/>
-                    </a:solidFill>
-                  </a:tcPr>
-                </a:tc>
-                <a:tc>
-                  <a:txBody>
-                    <a:bodyPr/>
-                    <a:lstStyle/>
-                    <a:p>
-                      <a:pPr algn="ctr" rtl="1" fontAlgn="b"/>
-                      <a:r>
-                        <a:rPr lang="he-IL" sz="1400" b="0" i="0" u="none" strike="noStrike" dirty="0" smtClean="0">
-                          <a:solidFill>
-                            <a:srgbClr val="000000"/>
-                          </a:solidFill>
-                          <a:effectLst/>
-                          <a:latin typeface="+mn-lt"/>
-                          <a:cs typeface="+mn-cs"/>
-                        </a:rPr>
                         <a:t>לא</a:t>
                       </a:r>
-                      <a:endParaRPr lang="he-IL" sz="1400" b="0" i="0" u="none" strike="noStrike" dirty="0">
-                        <a:solidFill>
-                          <a:srgbClr val="000000"/>
-                        </a:solidFill>
-                        <a:effectLst/>
-                        <a:latin typeface="+mn-lt"/>
-                        <a:cs typeface="+mn-cs"/>
-                      </a:endParaRPr>
                     </a:p>
                   </a:txBody>
                   <a:tcPr marL="9525" marR="9525" marT="9525" marB="0" anchor="ctr">
@@ -4279,7 +4228,7 @@
                         <a:defRPr/>
                       </a:pPr>
                       <a:r>
-                        <a:rPr lang="en-US" sz="1400" b="0" kern="1200" dirty="0" smtClean="0">
+                        <a:rPr lang="en-US" sz="1400" b="0" kern="1200" dirty="0">
                           <a:solidFill>
                             <a:schemeClr val="tx1"/>
                           </a:solidFill>
@@ -4305,7 +4254,7 @@
                     <a:p>
                       <a:pPr algn="ctr" rtl="0" fontAlgn="b"/>
                       <a:r>
-                        <a:rPr lang="en-US" sz="1400" b="0" i="0" u="none" strike="noStrike" dirty="0" err="1" smtClean="0">
+                        <a:rPr lang="en-US" sz="1400" b="0" i="0" u="none" strike="noStrike" dirty="0" err="1">
                           <a:solidFill>
                             <a:srgbClr val="000000"/>
                           </a:solidFill>
@@ -4363,7 +4312,7 @@
                     <a:p>
                       <a:pPr algn="ctr" rtl="1" fontAlgn="b"/>
                       <a:r>
-                        <a:rPr lang="he-IL" sz="1400" b="0" i="0" u="none" strike="noStrike" dirty="0" smtClean="0">
+                        <a:rPr lang="he-IL" sz="1400" b="0" i="0" u="none" strike="noStrike" dirty="0">
                           <a:solidFill>
                             <a:srgbClr val="000000"/>
                           </a:solidFill>
@@ -4373,14 +4322,6 @@
                         </a:rPr>
                         <a:t>כן</a:t>
                       </a:r>
-                      <a:endParaRPr lang="he-IL" sz="1400" b="0" i="0" u="none" strike="noStrike" dirty="0">
-                        <a:solidFill>
-                          <a:srgbClr val="000000"/>
-                        </a:solidFill>
-                        <a:effectLst/>
-                        <a:latin typeface="+mn-lt"/>
-                        <a:cs typeface="+mn-cs"/>
-                      </a:endParaRPr>
                     </a:p>
                   </a:txBody>
                   <a:tcPr marL="9525" marR="9525" marT="9525" marB="0" anchor="ctr">
@@ -4419,7 +4360,7 @@
                         <a:defRPr/>
                       </a:pPr>
                       <a:r>
-                        <a:rPr lang="en-US" sz="1400" b="0" kern="1200" dirty="0" err="1" smtClean="0">
+                        <a:rPr lang="en-US" sz="1400" b="0" kern="1200" dirty="0" err="1">
                           <a:solidFill>
                             <a:schemeClr val="tx1"/>
                           </a:solidFill>
@@ -4430,7 +4371,7 @@
                         </a:rPr>
                         <a:t>ParcelRole</a:t>
                       </a:r>
-                      <a:endParaRPr lang="en-US" sz="1400" b="0" kern="1200" dirty="0" smtClean="0">
+                      <a:endParaRPr lang="en-US" sz="1400" b="0" kern="1200" dirty="0">
                         <a:solidFill>
                           <a:schemeClr val="tx1"/>
                         </a:solidFill>
@@ -4454,7 +4395,7 @@
                     <a:p>
                       <a:pPr algn="ctr" rtl="0" fontAlgn="b"/>
                       <a:r>
-                        <a:rPr lang="en-US" sz="1400" b="0" i="0" u="none" strike="noStrike" dirty="0" err="1" smtClean="0">
+                        <a:rPr lang="en-US" sz="1400" b="0" i="0" u="none" strike="noStrike" dirty="0" err="1">
                           <a:solidFill>
                             <a:srgbClr val="000000"/>
                           </a:solidFill>
@@ -4487,7 +4428,7 @@
                     <a:p>
                       <a:pPr algn="ctr" rtl="1" fontAlgn="b"/>
                       <a:r>
-                        <a:rPr lang="he-IL" sz="1400" b="0" i="0" u="none" strike="noStrike" dirty="0" smtClean="0">
+                        <a:rPr lang="he-IL" sz="1400" b="0" i="0" u="none" strike="noStrike" dirty="0">
                           <a:solidFill>
                             <a:srgbClr val="000000"/>
                           </a:solidFill>
@@ -4498,7 +4439,7 @@
                         <a:t>מעמד</a:t>
                       </a:r>
                       <a:r>
-                        <a:rPr lang="he-IL" sz="1400" b="0" i="0" u="none" strike="noStrike" baseline="0" dirty="0" smtClean="0">
+                        <a:rPr lang="he-IL" sz="1400" b="0" i="0" u="none" strike="noStrike" baseline="0" dirty="0">
                           <a:solidFill>
                             <a:srgbClr val="000000"/>
                           </a:solidFill>
@@ -4509,7 +4450,7 @@
                         <a:t> החלקה בתהליך </a:t>
                       </a:r>
                       <a:r>
-                        <a:rPr lang="he-IL" sz="1400" b="0" i="0" u="none" strike="noStrike" baseline="0" dirty="0" err="1" smtClean="0">
+                        <a:rPr lang="he-IL" sz="1400" b="0" i="0" u="none" strike="noStrike" baseline="0" dirty="0" err="1">
                           <a:solidFill>
                             <a:srgbClr val="000000"/>
                           </a:solidFill>
@@ -4542,7 +4483,7 @@
                     <a:p>
                       <a:pPr algn="ctr" rtl="1" fontAlgn="b"/>
                       <a:r>
-                        <a:rPr lang="he-IL" sz="1400" b="0" i="0" u="none" strike="noStrike" dirty="0" smtClean="0">
+                        <a:rPr lang="he-IL" sz="1400" b="0" i="0" u="none" strike="noStrike" dirty="0">
                           <a:solidFill>
                             <a:srgbClr val="000000"/>
                           </a:solidFill>
@@ -4552,14 +4493,6 @@
                         </a:rPr>
                         <a:t>כן</a:t>
                       </a:r>
-                      <a:endParaRPr lang="he-IL" sz="1400" b="0" i="0" u="none" strike="noStrike" dirty="0">
-                        <a:solidFill>
-                          <a:srgbClr val="000000"/>
-                        </a:solidFill>
-                        <a:effectLst/>
-                        <a:latin typeface="+mn-lt"/>
-                        <a:cs typeface="+mn-cs"/>
-                      </a:endParaRPr>
                     </a:p>
                   </a:txBody>
                   <a:tcPr marL="9525" marR="9525" marT="9525" marB="0" anchor="ctr">
@@ -4582,7 +4515,7 @@
                     <a:p>
                       <a:pPr algn="ctr" rtl="0" fontAlgn="b"/>
                       <a:r>
-                        <a:rPr lang="en-US" sz="1400" b="0" i="0" u="none" strike="noStrike" dirty="0" smtClean="0">
+                        <a:rPr lang="en-US" sz="1400" b="0" i="0" u="none" strike="noStrike" dirty="0">
                           <a:solidFill>
                             <a:srgbClr val="000000"/>
                           </a:solidFill>
@@ -4591,6 +4524,31 @@
                           <a:cs typeface="+mn-cs"/>
                         </a:rPr>
                         <a:t>CreateProcessType</a:t>
+                      </a:r>
+                    </a:p>
+                  </a:txBody>
+                  <a:tcPr marL="9525" marR="9525" marT="9525" marB="0" anchor="ctr">
+                    <a:solidFill>
+                      <a:schemeClr val="bg1"/>
+                    </a:solidFill>
+                  </a:tcPr>
+                </a:tc>
+                <a:tc>
+                  <a:txBody>
+                    <a:bodyPr/>
+                    <a:lstStyle/>
+                    <a:p>
+                      <a:pPr algn="ctr" rtl="0" fontAlgn="b"/>
+                      <a:r>
+                        <a:rPr lang="en-US" sz="1400" b="0" i="0" u="none" strike="noStrike" dirty="0" err="1">
+                          <a:solidFill>
+                            <a:srgbClr val="000000"/>
+                          </a:solidFill>
+                          <a:effectLst/>
+                          <a:latin typeface="+mn-lt"/>
+                          <a:cs typeface="+mn-cs"/>
+                        </a:rPr>
+                        <a:t>int</a:t>
                       </a:r>
                       <a:endParaRPr lang="en-US" sz="1400" b="0" i="0" u="none" strike="noStrike" dirty="0">
                         <a:solidFill>
@@ -4613,9 +4571,305 @@
                     <a:bodyPr/>
                     <a:lstStyle/>
                     <a:p>
+                      <a:pPr algn="ctr" rtl="1" fontAlgn="b"/>
+                      <a:r>
+                        <a:rPr lang="he-IL" sz="1400" b="0" i="0" u="none" strike="noStrike">
+                          <a:solidFill>
+                            <a:srgbClr val="000000"/>
+                          </a:solidFill>
+                          <a:effectLst/>
+                          <a:latin typeface="+mn-lt"/>
+                          <a:cs typeface="+mn-cs"/>
+                        </a:rPr>
+                        <a:t>סוג תהליך יוצר</a:t>
+                      </a:r>
+                    </a:p>
+                  </a:txBody>
+                  <a:tcPr marL="9525" marR="9525" marT="9525" marB="0" anchor="b">
+                    <a:solidFill>
+                      <a:schemeClr val="bg1"/>
+                    </a:solidFill>
+                  </a:tcPr>
+                </a:tc>
+                <a:tc>
+                  <a:txBody>
+                    <a:bodyPr/>
+                    <a:lstStyle/>
+                    <a:p>
+                      <a:pPr algn="ctr" rtl="1" fontAlgn="b"/>
+                      <a:r>
+                        <a:rPr lang="he-IL" sz="1400" b="0" i="0" u="none" strike="noStrike" dirty="0">
+                          <a:solidFill>
+                            <a:srgbClr val="000000"/>
+                          </a:solidFill>
+                          <a:effectLst/>
+                          <a:latin typeface="+mn-lt"/>
+                          <a:cs typeface="+mn-cs"/>
+                        </a:rPr>
+                        <a:t>כן</a:t>
+                      </a:r>
+                    </a:p>
+                  </a:txBody>
+                  <a:tcPr marL="9525" marR="9525" marT="9525" marB="0" anchor="ctr">
+                    <a:solidFill>
+                      <a:schemeClr val="bg1"/>
+                    </a:solidFill>
+                  </a:tcPr>
+                </a:tc>
+                <a:extLst>
+                  <a:ext uri="{0D108BD9-81ED-4DB2-BD59-A6C34878D82A}">
+                    <a16:rowId xmlns:a16="http://schemas.microsoft.com/office/drawing/2014/main" val="43910696"/>
+                  </a:ext>
+                </a:extLst>
+              </a:tr>
+              <a:tr h="361466">
+                <a:tc>
+                  <a:txBody>
+                    <a:bodyPr/>
+                    <a:lstStyle/>
+                    <a:p>
                       <a:pPr algn="ctr" rtl="0" fontAlgn="b"/>
                       <a:r>
-                        <a:rPr lang="en-US" sz="1400" b="0" i="0" u="none" strike="noStrike" dirty="0" err="1" smtClean="0">
+                        <a:rPr lang="en-US" sz="1400" b="0" i="0" u="none" strike="noStrike" dirty="0">
+                          <a:solidFill>
+                            <a:srgbClr val="000000"/>
+                          </a:solidFill>
+                          <a:effectLst/>
+                          <a:latin typeface="+mn-lt"/>
+                          <a:cs typeface="+mn-cs"/>
+                        </a:rPr>
+                        <a:t>LegalArea</a:t>
+                      </a:r>
+                    </a:p>
+                  </a:txBody>
+                  <a:tcPr marL="9525" marR="9525" marT="9525" marB="0" anchor="ctr">
+                    <a:solidFill>
+                      <a:schemeClr val="bg1"/>
+                    </a:solidFill>
+                  </a:tcPr>
+                </a:tc>
+                <a:tc>
+                  <a:txBody>
+                    <a:bodyPr/>
+                    <a:lstStyle/>
+                    <a:p>
+                      <a:pPr algn="ctr" rtl="0" fontAlgn="b"/>
+                      <a:r>
+                        <a:rPr lang="en-US" sz="1400" b="0" i="0" u="none" strike="noStrike" dirty="0">
+                          <a:solidFill>
+                            <a:srgbClr val="000000"/>
+                          </a:solidFill>
+                          <a:effectLst/>
+                          <a:latin typeface="+mn-lt"/>
+                          <a:cs typeface="+mn-cs"/>
+                        </a:rPr>
+                        <a:t>float</a:t>
+                      </a:r>
+                    </a:p>
+                  </a:txBody>
+                  <a:tcPr marL="9525" marR="9525" marT="9525" marB="0" anchor="ctr">
+                    <a:solidFill>
+                      <a:schemeClr val="bg1"/>
+                    </a:solidFill>
+                  </a:tcPr>
+                </a:tc>
+                <a:tc>
+                  <a:txBody>
+                    <a:bodyPr/>
+                    <a:lstStyle/>
+                    <a:p>
+                      <a:pPr algn="ctr" rtl="1" fontAlgn="b"/>
+                      <a:r>
+                        <a:rPr lang="he-IL" sz="1400" b="0" i="0" u="none" strike="noStrike">
+                          <a:solidFill>
+                            <a:srgbClr val="000000"/>
+                          </a:solidFill>
+                          <a:effectLst/>
+                          <a:latin typeface="+mn-lt"/>
+                          <a:cs typeface="+mn-cs"/>
+                        </a:rPr>
+                        <a:t>שטח חלקה רשום במ"ר</a:t>
+                      </a:r>
+                    </a:p>
+                  </a:txBody>
+                  <a:tcPr marL="9525" marR="9525" marT="9525" marB="0" anchor="b">
+                    <a:solidFill>
+                      <a:schemeClr val="bg1"/>
+                    </a:solidFill>
+                  </a:tcPr>
+                </a:tc>
+                <a:tc>
+                  <a:txBody>
+                    <a:bodyPr/>
+                    <a:lstStyle/>
+                    <a:p>
+                      <a:pPr algn="ctr" rtl="1" fontAlgn="b"/>
+                      <a:r>
+                        <a:rPr lang="he-IL" sz="1400" b="0" i="0" u="none" strike="noStrike" dirty="0">
+                          <a:solidFill>
+                            <a:srgbClr val="000000"/>
+                          </a:solidFill>
+                          <a:effectLst/>
+                          <a:latin typeface="+mn-lt"/>
+                          <a:cs typeface="+mn-cs"/>
+                        </a:rPr>
+                        <a:t>לא</a:t>
+                      </a:r>
+                    </a:p>
+                  </a:txBody>
+                  <a:tcPr marL="9525" marR="9525" marT="9525" marB="0" anchor="ctr">
+                    <a:solidFill>
+                      <a:schemeClr val="bg1"/>
+                    </a:solidFill>
+                  </a:tcPr>
+                </a:tc>
+                <a:extLst>
+                  <a:ext uri="{0D108BD9-81ED-4DB2-BD59-A6C34878D82A}">
+                    <a16:rowId xmlns:a16="http://schemas.microsoft.com/office/drawing/2014/main" val="3780554462"/>
+                  </a:ext>
+                </a:extLst>
+              </a:tr>
+              <a:tr h="361466">
+                <a:tc>
+                  <a:txBody>
+                    <a:bodyPr/>
+                    <a:lstStyle/>
+                    <a:p>
+                      <a:pPr algn="ctr" rtl="0" fontAlgn="b"/>
+                      <a:r>
+                        <a:rPr lang="en-US" sz="1400" b="0" i="0" u="none" strike="noStrike" dirty="0">
+                          <a:solidFill>
+                            <a:srgbClr val="000000"/>
+                          </a:solidFill>
+                          <a:effectLst/>
+                          <a:latin typeface="+mn-lt"/>
+                          <a:cs typeface="+mn-cs"/>
+                        </a:rPr>
+                        <a:t>LandDesignationPlan</a:t>
+                      </a:r>
+                    </a:p>
+                  </a:txBody>
+                  <a:tcPr marL="9525" marR="9525" marT="9525" marB="0" anchor="ctr">
+                    <a:solidFill>
+                      <a:schemeClr val="bg1"/>
+                    </a:solidFill>
+                  </a:tcPr>
+                </a:tc>
+                <a:tc>
+                  <a:txBody>
+                    <a:bodyPr/>
+                    <a:lstStyle/>
+                    <a:p>
+                      <a:pPr algn="ctr" rtl="0" fontAlgn="b"/>
+                      <a:r>
+                        <a:rPr lang="en-US" sz="1400" b="0" i="0" u="none" strike="noStrike" dirty="0">
+                          <a:solidFill>
+                            <a:srgbClr val="000000"/>
+                          </a:solidFill>
+                          <a:effectLst/>
+                          <a:latin typeface="+mn-lt"/>
+                          <a:cs typeface="+mn-cs"/>
+                        </a:rPr>
+                        <a:t>string</a:t>
+                      </a:r>
+                    </a:p>
+                  </a:txBody>
+                  <a:tcPr marL="9525" marR="9525" marT="9525" marB="0" anchor="ctr">
+                    <a:solidFill>
+                      <a:schemeClr val="bg1"/>
+                    </a:solidFill>
+                  </a:tcPr>
+                </a:tc>
+                <a:tc>
+                  <a:txBody>
+                    <a:bodyPr/>
+                    <a:lstStyle/>
+                    <a:p>
+                      <a:pPr algn="ctr" rtl="1" fontAlgn="b"/>
+                      <a:r>
+                        <a:rPr lang="he-IL" sz="1400" b="0" i="0" u="none" strike="noStrike">
+                          <a:solidFill>
+                            <a:srgbClr val="000000"/>
+                          </a:solidFill>
+                          <a:effectLst/>
+                          <a:latin typeface="+mn-lt"/>
+                          <a:cs typeface="+mn-cs"/>
+                        </a:rPr>
+                        <a:t>יעוד הקרקע</a:t>
+                      </a:r>
+                    </a:p>
+                  </a:txBody>
+                  <a:tcPr marL="9525" marR="9525" marT="9525" marB="0" anchor="b">
+                    <a:solidFill>
+                      <a:schemeClr val="bg1"/>
+                    </a:solidFill>
+                  </a:tcPr>
+                </a:tc>
+                <a:tc>
+                  <a:txBody>
+                    <a:bodyPr/>
+                    <a:lstStyle/>
+                    <a:p>
+                      <a:pPr algn="ctr" rtl="1" fontAlgn="b"/>
+                      <a:r>
+                        <a:rPr lang="he-IL" sz="1400" b="0" i="0" u="none" strike="noStrike" dirty="0">
+                          <a:solidFill>
+                            <a:srgbClr val="000000"/>
+                          </a:solidFill>
+                          <a:effectLst/>
+                          <a:latin typeface="+mn-lt"/>
+                          <a:cs typeface="+mn-cs"/>
+                        </a:rPr>
+                        <a:t>לא</a:t>
+                      </a:r>
+                    </a:p>
+                  </a:txBody>
+                  <a:tcPr marL="9525" marR="9525" marT="9525" marB="0" anchor="ctr">
+                    <a:solidFill>
+                      <a:schemeClr val="bg1"/>
+                    </a:solidFill>
+                  </a:tcPr>
+                </a:tc>
+                <a:extLst>
+                  <a:ext uri="{0D108BD9-81ED-4DB2-BD59-A6C34878D82A}">
+                    <a16:rowId xmlns:a16="http://schemas.microsoft.com/office/drawing/2014/main" val="490110420"/>
+                  </a:ext>
+                </a:extLst>
+              </a:tr>
+              <a:tr h="361466">
+                <a:tc>
+                  <a:txBody>
+                    <a:bodyPr/>
+                    <a:lstStyle/>
+                    <a:p>
+                      <a:pPr algn="ctr" rtl="0" fontAlgn="b"/>
+                      <a:r>
+                        <a:rPr lang="en-US" sz="1400" b="0" i="0" u="none" strike="noStrike" dirty="0">
+                          <a:solidFill>
+                            <a:srgbClr val="000000"/>
+                          </a:solidFill>
+                          <a:effectLst/>
+                          <a:latin typeface="+mn-lt"/>
+                          <a:cs typeface="+mn-cs"/>
+                        </a:rPr>
+                        <a:t>BlockUniqueID</a:t>
+                      </a:r>
+                    </a:p>
+                  </a:txBody>
+                  <a:tcPr marL="9525" marR="9525" marT="9525" marB="0" anchor="ctr">
+                    <a:solidFill>
+                      <a:schemeClr val="bg1"/>
+                    </a:solidFill>
+                  </a:tcPr>
+                </a:tc>
+                <a:tc>
+                  <a:txBody>
+                    <a:bodyPr/>
+                    <a:lstStyle/>
+                    <a:p>
+                      <a:pPr algn="ctr" rtl="0" fontAlgn="b"/>
+                      <a:r>
+                        <a:rPr lang="en-US" sz="1400" b="0" i="0" u="none" strike="noStrike" dirty="0" err="1">
                           <a:solidFill>
                             <a:srgbClr val="000000"/>
                           </a:solidFill>
@@ -4648,7 +4902,7 @@
                     <a:p>
                       <a:pPr algn="ctr" rtl="1" fontAlgn="b"/>
                       <a:r>
-                        <a:rPr lang="he-IL" sz="1400" b="0" i="0" u="none" strike="noStrike">
+                        <a:rPr lang="he-IL" sz="1400" b="0" i="0" u="none" strike="noStrike" dirty="0">
                           <a:solidFill>
                             <a:srgbClr val="000000"/>
                           </a:solidFill>
@@ -4656,7 +4910,7 @@
                           <a:latin typeface="+mn-lt"/>
                           <a:cs typeface="+mn-cs"/>
                         </a:rPr>
-                        <a:t>סוג תהליך יוצר</a:t>
+                        <a:t>מזהה הגוש</a:t>
                       </a:r>
                     </a:p>
                   </a:txBody>
@@ -4673,7 +4927,7 @@
                     <a:p>
                       <a:pPr algn="ctr" rtl="1" fontAlgn="b"/>
                       <a:r>
-                        <a:rPr lang="he-IL" sz="1400" b="0" i="0" u="none" strike="noStrike" dirty="0" smtClean="0">
+                        <a:rPr lang="he-IL" sz="1400" b="0" i="0" u="none" strike="noStrike" dirty="0">
                           <a:solidFill>
                             <a:srgbClr val="000000"/>
                           </a:solidFill>
@@ -4681,16 +4935,8 @@
                           <a:latin typeface="+mn-lt"/>
                           <a:cs typeface="+mn-cs"/>
                         </a:rPr>
-                        <a:t>כן</a:t>
-                      </a:r>
-                      <a:endParaRPr lang="he-IL" sz="1400" b="0" i="0" u="none" strike="noStrike" dirty="0">
-                        <a:solidFill>
-                          <a:srgbClr val="000000"/>
-                        </a:solidFill>
-                        <a:effectLst/>
-                        <a:latin typeface="+mn-lt"/>
-                        <a:cs typeface="+mn-cs"/>
-                      </a:endParaRPr>
+                        <a:t>לא</a:t>
+                      </a:r>
                     </a:p>
                   </a:txBody>
                   <a:tcPr marL="9525" marR="9525" marT="9525" marB="0" anchor="ctr">
@@ -4701,7 +4947,7 @@
                 </a:tc>
                 <a:extLst>
                   <a:ext uri="{0D108BD9-81ED-4DB2-BD59-A6C34878D82A}">
-                    <a16:rowId xmlns:a16="http://schemas.microsoft.com/office/drawing/2014/main" val="43910696"/>
+                    <a16:rowId xmlns:a16="http://schemas.microsoft.com/office/drawing/2014/main" val="1951425462"/>
                   </a:ext>
                 </a:extLst>
               </a:tr>
@@ -4713,7 +4959,7 @@
                     <a:p>
                       <a:pPr algn="ctr" rtl="0" fontAlgn="b"/>
                       <a:r>
-                        <a:rPr lang="en-US" sz="1400" b="0" i="0" u="none" strike="noStrike" dirty="0" smtClean="0">
+                        <a:rPr lang="en-US" sz="1400" b="0" i="0" u="none" strike="noStrike" dirty="0" err="1">
                           <a:solidFill>
                             <a:srgbClr val="000000"/>
                           </a:solidFill>
@@ -4721,7 +4967,7 @@
                           <a:latin typeface="+mn-lt"/>
                           <a:cs typeface="+mn-cs"/>
                         </a:rPr>
-                        <a:t>LegalArea</a:t>
+                        <a:t>CPBCreateProcessUniqueID</a:t>
                       </a:r>
                       <a:endParaRPr lang="en-US" sz="1400" b="0" i="0" u="none" strike="noStrike" dirty="0">
                         <a:solidFill>
@@ -4746,7 +4992,7 @@
                     <a:p>
                       <a:pPr algn="ctr" rtl="0" fontAlgn="b"/>
                       <a:r>
-                        <a:rPr lang="en-US" sz="1400" b="0" i="0" u="none" strike="noStrike" dirty="0" smtClean="0">
+                        <a:rPr lang="en-US" sz="1400" b="0" i="0" u="none" strike="noStrike" dirty="0" err="1">
                           <a:solidFill>
                             <a:srgbClr val="000000"/>
                           </a:solidFill>
@@ -4754,7 +5000,7 @@
                           <a:latin typeface="+mn-lt"/>
                           <a:cs typeface="+mn-cs"/>
                         </a:rPr>
-                        <a:t>float</a:t>
+                        <a:t>int</a:t>
                       </a:r>
                       <a:endParaRPr lang="en-US" sz="1400" b="0" i="0" u="none" strike="noStrike" dirty="0">
                         <a:solidFill>
@@ -4779,7 +5025,7 @@
                     <a:p>
                       <a:pPr algn="ctr" rtl="1" fontAlgn="b"/>
                       <a:r>
-                        <a:rPr lang="he-IL" sz="1400" b="0" i="0" u="none" strike="noStrike">
+                        <a:rPr lang="he-IL" sz="1400" b="0" i="0" u="none" strike="noStrike" dirty="0">
                           <a:solidFill>
                             <a:srgbClr val="000000"/>
                           </a:solidFill>
@@ -4787,7 +5033,7 @@
                           <a:latin typeface="+mn-lt"/>
                           <a:cs typeface="+mn-cs"/>
                         </a:rPr>
-                        <a:t>שטח חלקה רשום במ"ר</a:t>
+                        <a:t>מזהה תהליך יוצר</a:t>
                       </a:r>
                     </a:p>
                   </a:txBody>
@@ -4804,7 +5050,7 @@
                     <a:p>
                       <a:pPr algn="ctr" rtl="1" fontAlgn="b"/>
                       <a:r>
-                        <a:rPr lang="he-IL" sz="1400" b="0" i="0" u="none" strike="noStrike" dirty="0" smtClean="0">
+                        <a:rPr lang="he-IL" sz="1400" b="0" i="0" u="none" strike="noStrike" dirty="0">
                           <a:solidFill>
                             <a:srgbClr val="000000"/>
                           </a:solidFill>
@@ -4814,407 +5060,6 @@
                         </a:rPr>
                         <a:t>לא</a:t>
                       </a:r>
-                      <a:endParaRPr lang="he-IL" sz="1400" b="0" i="0" u="none" strike="noStrike" dirty="0">
-                        <a:solidFill>
-                          <a:srgbClr val="000000"/>
-                        </a:solidFill>
-                        <a:effectLst/>
-                        <a:latin typeface="+mn-lt"/>
-                        <a:cs typeface="+mn-cs"/>
-                      </a:endParaRPr>
-                    </a:p>
-                  </a:txBody>
-                  <a:tcPr marL="9525" marR="9525" marT="9525" marB="0" anchor="ctr">
-                    <a:solidFill>
-                      <a:schemeClr val="bg1"/>
-                    </a:solidFill>
-                  </a:tcPr>
-                </a:tc>
-                <a:extLst>
-                  <a:ext uri="{0D108BD9-81ED-4DB2-BD59-A6C34878D82A}">
-                    <a16:rowId xmlns:a16="http://schemas.microsoft.com/office/drawing/2014/main" val="3780554462"/>
-                  </a:ext>
-                </a:extLst>
-              </a:tr>
-              <a:tr h="361466">
-                <a:tc>
-                  <a:txBody>
-                    <a:bodyPr/>
-                    <a:lstStyle/>
-                    <a:p>
-                      <a:pPr algn="ctr" rtl="0" fontAlgn="b"/>
-                      <a:r>
-                        <a:rPr lang="en-US" sz="1400" b="0" i="0" u="none" strike="noStrike" dirty="0" smtClean="0">
-                          <a:solidFill>
-                            <a:srgbClr val="000000"/>
-                          </a:solidFill>
-                          <a:effectLst/>
-                          <a:latin typeface="+mn-lt"/>
-                          <a:cs typeface="+mn-cs"/>
-                        </a:rPr>
-                        <a:t>LandDesignationPlan</a:t>
-                      </a:r>
-                      <a:endParaRPr lang="en-US" sz="1400" b="0" i="0" u="none" strike="noStrike" dirty="0">
-                        <a:solidFill>
-                          <a:srgbClr val="000000"/>
-                        </a:solidFill>
-                        <a:effectLst/>
-                        <a:latin typeface="+mn-lt"/>
-                        <a:cs typeface="+mn-cs"/>
-                      </a:endParaRPr>
-                    </a:p>
-                  </a:txBody>
-                  <a:tcPr marL="9525" marR="9525" marT="9525" marB="0" anchor="ctr">
-                    <a:solidFill>
-                      <a:schemeClr val="bg1"/>
-                    </a:solidFill>
-                  </a:tcPr>
-                </a:tc>
-                <a:tc>
-                  <a:txBody>
-                    <a:bodyPr/>
-                    <a:lstStyle/>
-                    <a:p>
-                      <a:pPr algn="ctr" rtl="0" fontAlgn="b"/>
-                      <a:r>
-                        <a:rPr lang="en-US" sz="1400" b="0" i="0" u="none" strike="noStrike" dirty="0" smtClean="0">
-                          <a:solidFill>
-                            <a:srgbClr val="000000"/>
-                          </a:solidFill>
-                          <a:effectLst/>
-                          <a:latin typeface="+mn-lt"/>
-                          <a:cs typeface="+mn-cs"/>
-                        </a:rPr>
-                        <a:t>string</a:t>
-                      </a:r>
-                      <a:endParaRPr lang="en-US" sz="1400" b="0" i="0" u="none" strike="noStrike" dirty="0">
-                        <a:solidFill>
-                          <a:srgbClr val="000000"/>
-                        </a:solidFill>
-                        <a:effectLst/>
-                        <a:latin typeface="+mn-lt"/>
-                        <a:cs typeface="+mn-cs"/>
-                      </a:endParaRPr>
-                    </a:p>
-                  </a:txBody>
-                  <a:tcPr marL="9525" marR="9525" marT="9525" marB="0" anchor="ctr">
-                    <a:solidFill>
-                      <a:schemeClr val="bg1"/>
-                    </a:solidFill>
-                  </a:tcPr>
-                </a:tc>
-                <a:tc>
-                  <a:txBody>
-                    <a:bodyPr/>
-                    <a:lstStyle/>
-                    <a:p>
-                      <a:pPr algn="ctr" rtl="1" fontAlgn="b"/>
-                      <a:r>
-                        <a:rPr lang="he-IL" sz="1400" b="0" i="0" u="none" strike="noStrike">
-                          <a:solidFill>
-                            <a:srgbClr val="000000"/>
-                          </a:solidFill>
-                          <a:effectLst/>
-                          <a:latin typeface="+mn-lt"/>
-                          <a:cs typeface="+mn-cs"/>
-                        </a:rPr>
-                        <a:t>יעוד הקרקע</a:t>
-                      </a:r>
-                    </a:p>
-                  </a:txBody>
-                  <a:tcPr marL="9525" marR="9525" marT="9525" marB="0" anchor="b">
-                    <a:solidFill>
-                      <a:schemeClr val="bg1"/>
-                    </a:solidFill>
-                  </a:tcPr>
-                </a:tc>
-                <a:tc>
-                  <a:txBody>
-                    <a:bodyPr/>
-                    <a:lstStyle/>
-                    <a:p>
-                      <a:pPr algn="ctr" rtl="1" fontAlgn="b"/>
-                      <a:r>
-                        <a:rPr lang="he-IL" sz="1400" b="0" i="0" u="none" strike="noStrike" dirty="0" smtClean="0">
-                          <a:solidFill>
-                            <a:srgbClr val="000000"/>
-                          </a:solidFill>
-                          <a:effectLst/>
-                          <a:latin typeface="+mn-lt"/>
-                          <a:cs typeface="+mn-cs"/>
-                        </a:rPr>
-                        <a:t>לא</a:t>
-                      </a:r>
-                      <a:endParaRPr lang="he-IL" sz="1400" b="0" i="0" u="none" strike="noStrike" dirty="0">
-                        <a:solidFill>
-                          <a:srgbClr val="000000"/>
-                        </a:solidFill>
-                        <a:effectLst/>
-                        <a:latin typeface="+mn-lt"/>
-                        <a:cs typeface="+mn-cs"/>
-                      </a:endParaRPr>
-                    </a:p>
-                  </a:txBody>
-                  <a:tcPr marL="9525" marR="9525" marT="9525" marB="0" anchor="ctr">
-                    <a:solidFill>
-                      <a:schemeClr val="bg1"/>
-                    </a:solidFill>
-                  </a:tcPr>
-                </a:tc>
-                <a:extLst>
-                  <a:ext uri="{0D108BD9-81ED-4DB2-BD59-A6C34878D82A}">
-                    <a16:rowId xmlns:a16="http://schemas.microsoft.com/office/drawing/2014/main" val="490110420"/>
-                  </a:ext>
-                </a:extLst>
-              </a:tr>
-              <a:tr h="361466">
-                <a:tc>
-                  <a:txBody>
-                    <a:bodyPr/>
-                    <a:lstStyle/>
-                    <a:p>
-                      <a:pPr algn="ctr" rtl="0" fontAlgn="b"/>
-                      <a:r>
-                        <a:rPr lang="en-US" sz="1400" b="0" i="0" u="none" strike="noStrike" dirty="0" smtClean="0">
-                          <a:solidFill>
-                            <a:srgbClr val="000000"/>
-                          </a:solidFill>
-                          <a:effectLst/>
-                          <a:latin typeface="+mn-lt"/>
-                          <a:cs typeface="+mn-cs"/>
-                        </a:rPr>
-                        <a:t>BlockUniqueID</a:t>
-                      </a:r>
-                      <a:endParaRPr lang="en-US" sz="1400" b="0" i="0" u="none" strike="noStrike" dirty="0">
-                        <a:solidFill>
-                          <a:srgbClr val="000000"/>
-                        </a:solidFill>
-                        <a:effectLst/>
-                        <a:latin typeface="+mn-lt"/>
-                        <a:cs typeface="+mn-cs"/>
-                      </a:endParaRPr>
-                    </a:p>
-                  </a:txBody>
-                  <a:tcPr marL="9525" marR="9525" marT="9525" marB="0" anchor="ctr">
-                    <a:solidFill>
-                      <a:schemeClr val="bg1"/>
-                    </a:solidFill>
-                  </a:tcPr>
-                </a:tc>
-                <a:tc>
-                  <a:txBody>
-                    <a:bodyPr/>
-                    <a:lstStyle/>
-                    <a:p>
-                      <a:pPr algn="ctr" rtl="0" fontAlgn="b"/>
-                      <a:r>
-                        <a:rPr lang="en-US" sz="1400" b="0" i="0" u="none" strike="noStrike" dirty="0" err="1" smtClean="0">
-                          <a:solidFill>
-                            <a:srgbClr val="000000"/>
-                          </a:solidFill>
-                          <a:effectLst/>
-                          <a:latin typeface="+mn-lt"/>
-                          <a:cs typeface="+mn-cs"/>
-                        </a:rPr>
-                        <a:t>int</a:t>
-                      </a:r>
-                      <a:endParaRPr lang="en-US" sz="1400" b="0" i="0" u="none" strike="noStrike" dirty="0">
-                        <a:solidFill>
-                          <a:srgbClr val="000000"/>
-                        </a:solidFill>
-                        <a:effectLst/>
-                        <a:latin typeface="+mn-lt"/>
-                        <a:cs typeface="+mn-cs"/>
-                      </a:endParaRPr>
-                    </a:p>
-                  </a:txBody>
-                  <a:tcPr marL="9525" marR="9525" marT="9525" marB="0" anchor="ctr">
-                    <a:solidFill>
-                      <a:schemeClr val="bg1"/>
-                    </a:solidFill>
-                  </a:tcPr>
-                </a:tc>
-                <a:tc>
-                  <a:txBody>
-                    <a:bodyPr/>
-                    <a:lstStyle/>
-                    <a:p>
-                      <a:pPr algn="ctr" rtl="1" fontAlgn="b"/>
-                      <a:r>
-                        <a:rPr lang="he-IL" sz="1400" b="0" i="0" u="none" strike="noStrike" dirty="0">
-                          <a:solidFill>
-                            <a:srgbClr val="000000"/>
-                          </a:solidFill>
-                          <a:effectLst/>
-                          <a:latin typeface="+mn-lt"/>
-                          <a:cs typeface="+mn-cs"/>
-                        </a:rPr>
-                        <a:t>מזהה הגוש</a:t>
-                      </a:r>
-                    </a:p>
-                  </a:txBody>
-                  <a:tcPr marL="9525" marR="9525" marT="9525" marB="0" anchor="b">
-                    <a:solidFill>
-                      <a:schemeClr val="bg1"/>
-                    </a:solidFill>
-                  </a:tcPr>
-                </a:tc>
-                <a:tc>
-                  <a:txBody>
-                    <a:bodyPr/>
-                    <a:lstStyle/>
-                    <a:p>
-                      <a:pPr algn="ctr" rtl="1" fontAlgn="b"/>
-                      <a:r>
-                        <a:rPr lang="he-IL" sz="1400" b="0" i="0" u="none" strike="noStrike" dirty="0" smtClean="0">
-                          <a:solidFill>
-                            <a:srgbClr val="000000"/>
-                          </a:solidFill>
-                          <a:effectLst/>
-                          <a:latin typeface="+mn-lt"/>
-                          <a:cs typeface="+mn-cs"/>
-                        </a:rPr>
-                        <a:t>לא</a:t>
-                      </a:r>
-                      <a:endParaRPr lang="he-IL" sz="1400" b="0" i="0" u="none" strike="noStrike" dirty="0">
-                        <a:solidFill>
-                          <a:srgbClr val="000000"/>
-                        </a:solidFill>
-                        <a:effectLst/>
-                        <a:latin typeface="+mn-lt"/>
-                        <a:cs typeface="+mn-cs"/>
-                      </a:endParaRPr>
-                    </a:p>
-                  </a:txBody>
-                  <a:tcPr marL="9525" marR="9525" marT="9525" marB="0" anchor="ctr">
-                    <a:solidFill>
-                      <a:schemeClr val="bg1"/>
-                    </a:solidFill>
-                  </a:tcPr>
-                </a:tc>
-                <a:extLst>
-                  <a:ext uri="{0D108BD9-81ED-4DB2-BD59-A6C34878D82A}">
-                    <a16:rowId xmlns:a16="http://schemas.microsoft.com/office/drawing/2014/main" val="1951425462"/>
-                  </a:ext>
-                </a:extLst>
-              </a:tr>
-              <a:tr h="361466">
-                <a:tc>
-                  <a:txBody>
-                    <a:bodyPr/>
-                    <a:lstStyle/>
-                    <a:p>
-                      <a:pPr algn="ctr" rtl="0" fontAlgn="b"/>
-                      <a:r>
-                        <a:rPr lang="en-US" sz="1400" b="0" i="0" u="none" strike="noStrike" dirty="0" err="1" smtClean="0">
-                          <a:solidFill>
-                            <a:srgbClr val="000000"/>
-                          </a:solidFill>
-                          <a:effectLst/>
-                          <a:latin typeface="+mn-lt"/>
-                          <a:cs typeface="+mn-cs"/>
-                        </a:rPr>
-                        <a:t>CPBCreateProcessUniqueID</a:t>
-                      </a:r>
-                      <a:endParaRPr lang="en-US" sz="1400" b="0" i="0" u="none" strike="noStrike" dirty="0">
-                        <a:solidFill>
-                          <a:srgbClr val="000000"/>
-                        </a:solidFill>
-                        <a:effectLst/>
-                        <a:latin typeface="+mn-lt"/>
-                        <a:cs typeface="+mn-cs"/>
-                      </a:endParaRPr>
-                    </a:p>
-                  </a:txBody>
-                  <a:tcPr marL="9525" marR="9525" marT="9525" marB="0" anchor="ctr">
-                    <a:solidFill>
-                      <a:schemeClr val="bg1"/>
-                    </a:solidFill>
-                  </a:tcPr>
-                </a:tc>
-                <a:tc>
-                  <a:txBody>
-                    <a:bodyPr/>
-                    <a:lstStyle/>
-                    <a:p>
-                      <a:pPr algn="ctr" rtl="0" fontAlgn="b"/>
-                      <a:r>
-                        <a:rPr lang="en-US" sz="1400" b="0" i="0" u="none" strike="noStrike" dirty="0" err="1" smtClean="0">
-                          <a:solidFill>
-                            <a:srgbClr val="000000"/>
-                          </a:solidFill>
-                          <a:effectLst/>
-                          <a:latin typeface="+mn-lt"/>
-                          <a:cs typeface="+mn-cs"/>
-                        </a:rPr>
-                        <a:t>int</a:t>
-                      </a:r>
-                      <a:endParaRPr lang="en-US" sz="1400" b="0" i="0" u="none" strike="noStrike" dirty="0">
-                        <a:solidFill>
-                          <a:srgbClr val="000000"/>
-                        </a:solidFill>
-                        <a:effectLst/>
-                        <a:latin typeface="+mn-lt"/>
-                        <a:cs typeface="+mn-cs"/>
-                      </a:endParaRPr>
-                    </a:p>
-                  </a:txBody>
-                  <a:tcPr marL="9525" marR="9525" marT="9525" marB="0" anchor="ctr">
-                    <a:solidFill>
-                      <a:schemeClr val="bg1"/>
-                    </a:solidFill>
-                  </a:tcPr>
-                </a:tc>
-                <a:tc>
-                  <a:txBody>
-                    <a:bodyPr/>
-                    <a:lstStyle/>
-                    <a:p>
-                      <a:pPr algn="ctr" rtl="1" fontAlgn="b"/>
-                      <a:r>
-                        <a:rPr lang="he-IL" sz="1400" b="0" i="0" u="none" strike="noStrike" dirty="0">
-                          <a:solidFill>
-                            <a:srgbClr val="000000"/>
-                          </a:solidFill>
-                          <a:effectLst/>
-                          <a:latin typeface="+mn-lt"/>
-                          <a:cs typeface="+mn-cs"/>
-                        </a:rPr>
-                        <a:t>מזהה תהליך יוצר</a:t>
-                      </a:r>
-                    </a:p>
-                  </a:txBody>
-                  <a:tcPr marL="9525" marR="9525" marT="9525" marB="0" anchor="b">
-                    <a:solidFill>
-                      <a:schemeClr val="bg1"/>
-                    </a:solidFill>
-                  </a:tcPr>
-                </a:tc>
-                <a:tc>
-                  <a:txBody>
-                    <a:bodyPr/>
-                    <a:lstStyle/>
-                    <a:p>
-                      <a:pPr algn="ctr" rtl="1" fontAlgn="b"/>
-                      <a:r>
-                        <a:rPr lang="he-IL" sz="1400" b="0" i="0" u="none" strike="noStrike" dirty="0" smtClean="0">
-                          <a:solidFill>
-                            <a:srgbClr val="000000"/>
-                          </a:solidFill>
-                          <a:effectLst/>
-                          <a:latin typeface="+mn-lt"/>
-                          <a:cs typeface="+mn-cs"/>
-                        </a:rPr>
-                        <a:t>לא</a:t>
-                      </a:r>
-                      <a:endParaRPr lang="he-IL" sz="1400" b="0" i="0" u="none" strike="noStrike" dirty="0">
-                        <a:solidFill>
-                          <a:srgbClr val="000000"/>
-                        </a:solidFill>
-                        <a:effectLst/>
-                        <a:latin typeface="+mn-lt"/>
-                        <a:cs typeface="+mn-cs"/>
-                      </a:endParaRPr>
                     </a:p>
                   </a:txBody>
                   <a:tcPr marL="9525" marR="9525" marT="9525" marB="0" anchor="ctr">
@@ -5253,7 +5098,7 @@
                         <a:defRPr/>
                       </a:pPr>
                       <a:r>
-                        <a:rPr lang="en-US" sz="1400" b="0" kern="1200" dirty="0" err="1" smtClean="0">
+                        <a:rPr lang="en-US" sz="1400" b="0" kern="1200" dirty="0" err="1">
                           <a:solidFill>
                             <a:schemeClr val="tx1"/>
                           </a:solidFill>
@@ -5264,7 +5109,7 @@
                         </a:rPr>
                         <a:t>CPBUpdateProcessUniqueID</a:t>
                       </a:r>
-                      <a:endParaRPr lang="en-US" sz="1400" b="0" kern="1200" dirty="0" smtClean="0">
+                      <a:endParaRPr lang="en-US" sz="1400" b="0" kern="1200" dirty="0">
                         <a:solidFill>
                           <a:schemeClr val="tx1"/>
                         </a:solidFill>
@@ -5288,7 +5133,7 @@
                     <a:p>
                       <a:pPr algn="ctr" rtl="0" fontAlgn="b"/>
                       <a:r>
-                        <a:rPr lang="en-US" sz="1400" b="0" i="0" u="none" strike="noStrike" dirty="0" err="1" smtClean="0">
+                        <a:rPr lang="en-US" sz="1400" b="0" i="0" u="none" strike="noStrike" dirty="0" err="1">
                           <a:solidFill>
                             <a:srgbClr val="000000"/>
                           </a:solidFill>
@@ -5346,7 +5191,7 @@
                     <a:p>
                       <a:pPr algn="ctr" rtl="1" fontAlgn="b"/>
                       <a:r>
-                        <a:rPr lang="he-IL" sz="1400" b="0" i="0" u="none" strike="noStrike" dirty="0" smtClean="0">
+                        <a:rPr lang="he-IL" sz="1400" b="0" i="0" u="none" strike="noStrike" dirty="0">
                           <a:solidFill>
                             <a:srgbClr val="000000"/>
                           </a:solidFill>
@@ -5356,14 +5201,6 @@
                         </a:rPr>
                         <a:t>לא</a:t>
                       </a:r>
-                      <a:endParaRPr lang="he-IL" sz="1400" b="0" i="0" u="none" strike="noStrike" dirty="0">
-                        <a:solidFill>
-                          <a:srgbClr val="000000"/>
-                        </a:solidFill>
-                        <a:effectLst/>
-                        <a:latin typeface="+mn-lt"/>
-                        <a:cs typeface="+mn-cs"/>
-                      </a:endParaRPr>
                     </a:p>
                   </a:txBody>
                   <a:tcPr marL="9525" marR="9525" marT="9525" marB="0" anchor="ctr">
@@ -5402,7 +5239,7 @@
                         <a:defRPr/>
                       </a:pPr>
                       <a:r>
-                        <a:rPr lang="en-US" sz="1400" b="0" kern="1200" dirty="0" err="1" smtClean="0">
+                        <a:rPr lang="en-US" sz="1400" b="0" kern="1200" dirty="0" err="1">
                           <a:solidFill>
                             <a:schemeClr val="tx1"/>
                           </a:solidFill>
@@ -5413,7 +5250,7 @@
                         </a:rPr>
                         <a:t>CPBCancelProcessUniqueID</a:t>
                       </a:r>
-                      <a:endParaRPr lang="en-US" sz="1400" b="0" kern="1200" dirty="0" smtClean="0">
+                      <a:endParaRPr lang="en-US" sz="1400" b="0" kern="1200" dirty="0">
                         <a:solidFill>
                           <a:schemeClr val="tx1"/>
                         </a:solidFill>
@@ -5437,7 +5274,7 @@
                     <a:p>
                       <a:pPr algn="ctr" rtl="0" fontAlgn="b"/>
                       <a:r>
-                        <a:rPr lang="en-US" sz="1400" b="0" i="0" u="none" strike="noStrike" dirty="0" err="1" smtClean="0">
+                        <a:rPr lang="en-US" sz="1400" b="0" i="0" u="none" strike="noStrike" dirty="0" err="1">
                           <a:solidFill>
                             <a:srgbClr val="000000"/>
                           </a:solidFill>
@@ -5496,7 +5333,7 @@
                     <a:p>
                       <a:pPr algn="ctr" rtl="1" fontAlgn="b"/>
                       <a:r>
-                        <a:rPr lang="he-IL" sz="1400" b="0" i="0" u="none" strike="noStrike" dirty="0" smtClean="0">
+                        <a:rPr lang="he-IL" sz="1400" b="0" i="0" u="none" strike="noStrike" dirty="0">
                           <a:solidFill>
                             <a:srgbClr val="000000"/>
                           </a:solidFill>
@@ -5544,13 +5381,6 @@
     <a:masterClrMapping/>
   </p:clrMapOvr>
   <p:transition/>
-  <p:timing>
-    <p:tnLst>
-      <p:par>
-        <p:cTn id="1" dur="indefinite" restart="never" nodeType="tmRoot"/>
-      </p:par>
-    </p:tnLst>
-  </p:timing>
 </p:sld>
 </file>
 
@@ -5641,7 +5471,7 @@
               <a:defRPr/>
             </a:pPr>
             <a:r>
-              <a:rPr kumimoji="0" lang="he-IL" sz="3600" b="1" i="0" u="none" strike="noStrike" kern="1200" cap="none" spc="0" normalizeH="0" baseline="0" noProof="0" dirty="0" smtClean="0">
+              <a:rPr kumimoji="0" lang="he-IL" sz="3600" b="1" i="0" u="none" strike="noStrike" kern="1200" cap="none" spc="0" normalizeH="0" baseline="0" noProof="0" dirty="0">
                 <a:ln>
                   <a:noFill/>
                 </a:ln>
@@ -5657,7 +5487,7 @@
               <a:t>הגדרות בסכמה החדשה </a:t>
             </a:r>
             <a:r>
-              <a:rPr kumimoji="0" lang="x-none" sz="3600" b="1" i="0" u="none" strike="noStrike" kern="1200" cap="none" spc="0" normalizeH="0" baseline="0" noProof="0" dirty="0" smtClean="0">
+              <a:rPr kumimoji="0" lang="x-none" sz="3600" b="1" i="0" u="none" strike="noStrike" kern="1200" cap="none" spc="0" normalizeH="0" baseline="0" noProof="0" dirty="0">
                 <a:ln>
                   <a:noFill/>
                 </a:ln>
@@ -5855,7 +5685,7 @@
                     <a:p>
                       <a:pPr algn="ctr" rtl="0" fontAlgn="b"/>
                       <a:r>
-                        <a:rPr lang="he-IL" sz="1800" b="0" u="none" strike="noStrike" dirty="0" smtClean="0">
+                        <a:rPr lang="he-IL" sz="1800" b="0" u="none" strike="noStrike" dirty="0">
                           <a:effectLst/>
                         </a:rPr>
                         <a:t>סוג</a:t>
@@ -6070,7 +5900,7 @@
                     <a:p>
                       <a:pPr algn="ctr" rtl="0" fontAlgn="b"/>
                       <a:r>
-                        <a:rPr lang="he-IL" sz="1800" b="0" u="none" strike="noStrike" dirty="0" smtClean="0">
+                        <a:rPr lang="he-IL" sz="1800" b="0" u="none" strike="noStrike" dirty="0">
                           <a:effectLst/>
                         </a:rPr>
                         <a:t>סוג</a:t>
@@ -6290,7 +6120,7 @@
               <a:defRPr/>
             </a:pPr>
             <a:r>
-              <a:rPr lang="en-US" sz="2000" b="1" dirty="0" err="1" smtClean="0"/>
+              <a:rPr lang="en-US" sz="2000" b="1" dirty="0" err="1"/>
               <a:t>ParcelRole</a:t>
             </a:r>
             <a:endParaRPr kumimoji="0" lang="en-US" sz="2000" b="1" i="0" u="none" strike="noStrike" kern="1200" cap="none" spc="0" normalizeH="0" baseline="0" noProof="0" dirty="0">
@@ -6384,7 +6214,7 @@
                     <a:p>
                       <a:pPr algn="ctr" rtl="0" fontAlgn="b"/>
                       <a:r>
-                        <a:rPr lang="he-IL" sz="1800" b="0" u="none" strike="noStrike" dirty="0" smtClean="0">
+                        <a:rPr lang="he-IL" sz="1800" b="0" u="none" strike="noStrike" dirty="0">
                           <a:effectLst/>
                         </a:rPr>
                         <a:t>סוג</a:t>
@@ -6418,7 +6248,7 @@
                     <a:p>
                       <a:pPr algn="ctr" rtl="0" fontAlgn="b"/>
                       <a:r>
-                        <a:rPr lang="he-IL" sz="1400" b="0" i="0" u="none" strike="noStrike" dirty="0" smtClean="0">
+                        <a:rPr lang="he-IL" sz="1400" b="0" i="0" u="none" strike="noStrike" dirty="0">
                           <a:solidFill>
                             <a:srgbClr val="000000"/>
                           </a:solidFill>
@@ -6427,13 +6257,6 @@
                         </a:rPr>
                         <a:t>1</a:t>
                       </a:r>
-                      <a:endParaRPr lang="he-IL" sz="1400" b="0" i="0" u="none" strike="noStrike" dirty="0">
-                        <a:solidFill>
-                          <a:srgbClr val="000000"/>
-                        </a:solidFill>
-                        <a:effectLst/>
-                        <a:latin typeface="Calibri Light" panose="020F0302020204030204" pitchFamily="34" charset="0"/>
-                      </a:endParaRPr>
                     </a:p>
                   </a:txBody>
                   <a:tcPr marL="9525" marR="9525" marT="9525" marB="0" anchor="b">
@@ -6449,7 +6272,7 @@
                     <a:p>
                       <a:pPr algn="ctr" rtl="1" fontAlgn="b"/>
                       <a:r>
-                        <a:rPr lang="he-IL" sz="1400" b="0" i="0" u="none" strike="noStrike" dirty="0" smtClean="0">
+                        <a:rPr lang="he-IL" sz="1400" b="0" i="0" u="none" strike="noStrike" dirty="0">
                           <a:solidFill>
                             <a:srgbClr val="000000"/>
                           </a:solidFill>
@@ -6458,13 +6281,6 @@
                         </a:rPr>
                         <a:t>ביסוס</a:t>
                       </a:r>
-                      <a:endParaRPr lang="he-IL" sz="1400" b="0" i="0" u="none" strike="noStrike" dirty="0">
-                        <a:solidFill>
-                          <a:srgbClr val="000000"/>
-                        </a:solidFill>
-                        <a:effectLst/>
-                        <a:latin typeface="Calibri Light" panose="020F0302020204030204" pitchFamily="34" charset="0"/>
-                      </a:endParaRPr>
                     </a:p>
                   </a:txBody>
                   <a:tcPr marL="9525" marR="9525" marT="9525" marB="0" anchor="b">
@@ -6511,7 +6327,7 @@
                     <a:p>
                       <a:pPr algn="ctr" rtl="1" fontAlgn="b"/>
                       <a:r>
-                        <a:rPr lang="he-IL" sz="1400" b="0" i="0" u="none" strike="noStrike" dirty="0" smtClean="0">
+                        <a:rPr lang="he-IL" sz="1400" b="0" i="0" u="none" strike="noStrike" dirty="0">
                           <a:solidFill>
                             <a:srgbClr val="000000"/>
                           </a:solidFill>
@@ -6520,13 +6336,6 @@
                         </a:rPr>
                         <a:t>חדשה</a:t>
                       </a:r>
-                      <a:endParaRPr lang="he-IL" sz="1400" b="0" i="0" u="none" strike="noStrike" dirty="0">
-                        <a:solidFill>
-                          <a:srgbClr val="000000"/>
-                        </a:solidFill>
-                        <a:effectLst/>
-                        <a:latin typeface="Calibri Light" panose="020F0302020204030204" pitchFamily="34" charset="0"/>
-                      </a:endParaRPr>
                     </a:p>
                   </a:txBody>
                   <a:tcPr marL="9525" marR="9525" marT="9525" marB="0" anchor="b">
@@ -6556,13 +6365,6 @@
     <a:masterClrMapping/>
   </p:clrMapOvr>
   <p:transition/>
-  <p:timing>
-    <p:tnLst>
-      <p:par>
-        <p:cTn id="1" dur="indefinite" restart="never" nodeType="tmRoot"/>
-      </p:par>
-    </p:tnLst>
-  </p:timing>
 </p:sld>
 </file>
 
@@ -6623,22 +6425,6 @@
               <a:defRPr/>
             </a:pPr>
             <a:r>
-              <a:rPr kumimoji="0" lang="he-IL" sz="4000" b="1" i="0" u="none" strike="noStrike" kern="1200" cap="none" spc="0" normalizeH="0" baseline="0" noProof="0" dirty="0" smtClean="0">
-                <a:ln>
-                  <a:noFill/>
-                </a:ln>
-                <a:solidFill>
-                  <a:srgbClr val="002060"/>
-                </a:solidFill>
-                <a:effectLst/>
-                <a:uLnTx/>
-                <a:uFillTx/>
-                <a:latin typeface="Calibri" panose="020F0502020204030204"/>
-                <a:cs typeface="Arial" panose="020B0604020202020204" pitchFamily="34" charset="0"/>
-              </a:rPr>
-              <a:t>הסבת </a:t>
-            </a:r>
-            <a:r>
               <a:rPr kumimoji="0" lang="he-IL" sz="4000" b="1" i="0" u="none" strike="noStrike" kern="1200" cap="none" spc="0" normalizeH="0" baseline="0" noProof="0" dirty="0">
                 <a:ln>
                   <a:noFill/>
@@ -6652,7 +6438,7 @@
                 <a:latin typeface="Calibri" panose="020F0502020204030204"/>
                 <a:cs typeface="Arial" panose="020B0604020202020204" pitchFamily="34" charset="0"/>
               </a:rPr>
-              <a:t>נתוני </a:t>
+              <a:t>הסבת נתוני </a:t>
             </a:r>
             <a:r>
               <a:rPr kumimoji="0" lang="he-IL" sz="4000" b="1" i="0" u="none" strike="noStrike" kern="1200" cap="none" spc="0" normalizeH="0" baseline="0" noProof="0" dirty="0" err="1">
@@ -6684,23 +6470,7 @@
                 <a:latin typeface="Calibri" panose="020F0502020204030204"/>
                 <a:cs typeface="Arial" panose="020B0604020202020204" pitchFamily="34" charset="0"/>
               </a:rPr>
-              <a:t> אל מול סכמה </a:t>
-            </a:r>
-            <a:r>
-              <a:rPr kumimoji="0" lang="he-IL" sz="4000" b="1" i="0" u="none" strike="noStrike" kern="1200" cap="none" spc="0" normalizeH="0" baseline="0" noProof="0" dirty="0" smtClean="0">
-                <a:ln>
-                  <a:noFill/>
-                </a:ln>
-                <a:solidFill>
-                  <a:srgbClr val="002060"/>
-                </a:solidFill>
-                <a:effectLst/>
-                <a:uLnTx/>
-                <a:uFillTx/>
-                <a:latin typeface="Calibri" panose="020F0502020204030204"/>
-                <a:cs typeface="Arial" panose="020B0604020202020204" pitchFamily="34" charset="0"/>
-              </a:rPr>
-              <a:t>עתידית</a:t>
+              <a:t> אל מול סכמה עתידית</a:t>
             </a:r>
           </a:p>
         </p:txBody>
@@ -6746,13 +6516,6 @@
     <a:masterClrMapping/>
   </p:clrMapOvr>
   <p:transition/>
-  <p:timing>
-    <p:tnLst>
-      <p:par>
-        <p:cTn id="1" dur="indefinite" restart="never" nodeType="tmRoot"/>
-      </p:par>
-    </p:tnLst>
-  </p:timing>
 </p:sld>
 </file>
 
@@ -6856,7 +6619,7 @@
                     <a:p>
                       <a:pPr algn="ctr"/>
                       <a:r>
-                        <a:rPr lang="he-IL" sz="1200" b="1" dirty="0" smtClean="0">
+                        <a:rPr lang="he-IL" sz="1200" b="1" dirty="0">
                           <a:latin typeface="Segoe UI" panose="020B0502040204020203" pitchFamily="34" charset="0"/>
                           <a:cs typeface="Segoe UI" panose="020B0502040204020203" pitchFamily="34" charset="0"/>
                         </a:rPr>
@@ -6877,77 +6640,46 @@
                     <a:p>
                       <a:pPr algn="ctr"/>
                       <a:r>
-                        <a:rPr lang="he-IL" sz="1200" b="1" dirty="0" smtClean="0">
+                        <a:rPr lang="he-IL" sz="1200" b="1" dirty="0">
                           <a:latin typeface="Segoe UI" panose="020B0502040204020203" pitchFamily="34" charset="0"/>
                           <a:cs typeface="Segoe UI" panose="020B0502040204020203" pitchFamily="34" charset="0"/>
                         </a:rPr>
                         <a:t>כמות</a:t>
-                      </a:r>
-                      <a:endParaRPr lang="en-US" sz="1200" b="1" dirty="0" smtClean="0">
-                        <a:latin typeface="Segoe UI" panose="020B0502040204020203" pitchFamily="34" charset="0"/>
-                        <a:cs typeface="Segoe UI" panose="020B0502040204020203" pitchFamily="34" charset="0"/>
-                      </a:endParaRPr>
-                    </a:p>
-                    <a:p>
-                      <a:pPr algn="ctr"/>
-                      <a:r>
-                        <a:rPr lang="he-IL" sz="1200" b="1" dirty="0" smtClean="0">
-                          <a:latin typeface="Segoe UI" panose="020B0502040204020203" pitchFamily="34" charset="0"/>
-                          <a:cs typeface="Segoe UI" panose="020B0502040204020203" pitchFamily="34" charset="0"/>
-                        </a:rPr>
-                        <a:t>שדות</a:t>
-                      </a:r>
-                      <a:r>
-                        <a:rPr lang="en-US" sz="1200" b="1" dirty="0" smtClean="0">
-                          <a:latin typeface="Segoe UI" panose="020B0502040204020203" pitchFamily="34" charset="0"/>
-                          <a:cs typeface="Segoe UI" panose="020B0502040204020203" pitchFamily="34" charset="0"/>
-                        </a:rPr>
-                        <a:t> </a:t>
-                      </a:r>
-                      <a:endParaRPr lang="he-IL" sz="1200" b="1" dirty="0" smtClean="0">
-                        <a:latin typeface="Segoe UI" panose="020B0502040204020203" pitchFamily="34" charset="0"/>
-                        <a:cs typeface="Segoe UI" panose="020B0502040204020203" pitchFamily="34" charset="0"/>
-                      </a:endParaRPr>
-                    </a:p>
-                    <a:p>
-                      <a:pPr algn="ctr"/>
-                      <a:r>
-                        <a:rPr lang="he-IL" sz="1200" b="1" dirty="0" smtClean="0">
-                          <a:latin typeface="Segoe UI" panose="020B0502040204020203" pitchFamily="34" charset="0"/>
-                          <a:cs typeface="Segoe UI" panose="020B0502040204020203" pitchFamily="34" charset="0"/>
-                        </a:rPr>
-                        <a:t>לשימוש</a:t>
                       </a:r>
                       <a:endParaRPr lang="en-US" sz="1200" b="1" dirty="0">
                         <a:latin typeface="Segoe UI" panose="020B0502040204020203" pitchFamily="34" charset="0"/>
                         <a:cs typeface="Segoe UI" panose="020B0502040204020203" pitchFamily="34" charset="0"/>
                       </a:endParaRPr>
                     </a:p>
-                  </a:txBody>
-                  <a:tcPr anchor="ctr"/>
-                </a:tc>
-                <a:tc>
-                  <a:txBody>
-                    <a:bodyPr/>
-                    <a:lstStyle/>
                     <a:p>
                       <a:pPr algn="ctr"/>
                       <a:r>
-                        <a:rPr lang="he-IL" sz="1200" b="1" dirty="0" smtClean="0">
+                        <a:rPr lang="he-IL" sz="1200" b="1" dirty="0">
                           <a:latin typeface="Segoe UI" panose="020B0502040204020203" pitchFamily="34" charset="0"/>
                           <a:cs typeface="Segoe UI" panose="020B0502040204020203" pitchFamily="34" charset="0"/>
                         </a:rPr>
-                        <a:t>כמות </a:t>
-                      </a:r>
-                    </a:p>
-                    <a:p>
-                      <a:pPr algn="ctr"/>
-                      <a:r>
-                        <a:rPr lang="he-IL" sz="1200" b="1" dirty="0" smtClean="0">
+                        <a:t>שדות</a:t>
+                      </a:r>
+                      <a:r>
+                        <a:rPr lang="en-US" sz="1200" b="1" dirty="0">
                           <a:latin typeface="Segoe UI" panose="020B0502040204020203" pitchFamily="34" charset="0"/>
                           <a:cs typeface="Segoe UI" panose="020B0502040204020203" pitchFamily="34" charset="0"/>
                         </a:rPr>
-                        <a:t>רשומות</a:t>
+                        <a:t> </a:t>
+                      </a:r>
+                      <a:endParaRPr lang="he-IL" sz="1200" b="1" dirty="0">
+                        <a:latin typeface="Segoe UI" panose="020B0502040204020203" pitchFamily="34" charset="0"/>
+                        <a:cs typeface="Segoe UI" panose="020B0502040204020203" pitchFamily="34" charset="0"/>
+                      </a:endParaRPr>
+                    </a:p>
+                    <a:p>
+                      <a:pPr algn="ctr"/>
+                      <a:r>
+                        <a:rPr lang="he-IL" sz="1200" b="1" dirty="0">
+                          <a:latin typeface="Segoe UI" panose="020B0502040204020203" pitchFamily="34" charset="0"/>
+                          <a:cs typeface="Segoe UI" panose="020B0502040204020203" pitchFamily="34" charset="0"/>
+                        </a:rPr>
+                        <a:t>לשימוש</a:t>
                       </a:r>
                       <a:endParaRPr lang="en-US" sz="1200" b="1" dirty="0">
                         <a:latin typeface="Segoe UI" panose="020B0502040204020203" pitchFamily="34" charset="0"/>
@@ -6964,11 +6696,21 @@
                     <a:p>
                       <a:pPr algn="ctr"/>
                       <a:r>
-                        <a:rPr lang="he-IL" sz="1200" b="1" dirty="0" smtClean="0">
+                        <a:rPr lang="he-IL" sz="1200" b="1" dirty="0">
                           <a:latin typeface="Segoe UI" panose="020B0502040204020203" pitchFamily="34" charset="0"/>
                           <a:cs typeface="Segoe UI" panose="020B0502040204020203" pitchFamily="34" charset="0"/>
                         </a:rPr>
-                        <a:t>תיאור</a:t>
+                        <a:t>כמות </a:t>
+                      </a:r>
+                    </a:p>
+                    <a:p>
+                      <a:pPr algn="ctr"/>
+                      <a:r>
+                        <a:rPr lang="he-IL" sz="1200" b="1" dirty="0">
+                          <a:latin typeface="Segoe UI" panose="020B0502040204020203" pitchFamily="34" charset="0"/>
+                          <a:cs typeface="Segoe UI" panose="020B0502040204020203" pitchFamily="34" charset="0"/>
+                        </a:rPr>
+                        <a:t>רשומות</a:t>
                       </a:r>
                       <a:endParaRPr lang="en-US" sz="1200" b="1" dirty="0">
                         <a:latin typeface="Segoe UI" panose="020B0502040204020203" pitchFamily="34" charset="0"/>
@@ -6985,11 +6727,11 @@
                     <a:p>
                       <a:pPr algn="ctr"/>
                       <a:r>
-                        <a:rPr lang="he-IL" sz="1200" b="1" dirty="0" smtClean="0">
+                        <a:rPr lang="he-IL" sz="1200" b="1" dirty="0">
                           <a:latin typeface="Segoe UI" panose="020B0502040204020203" pitchFamily="34" charset="0"/>
                           <a:cs typeface="Segoe UI" panose="020B0502040204020203" pitchFamily="34" charset="0"/>
                         </a:rPr>
-                        <a:t>שם</a:t>
+                        <a:t>תיאור</a:t>
                       </a:r>
                       <a:endParaRPr lang="en-US" sz="1200" b="1" dirty="0">
                         <a:latin typeface="Segoe UI" panose="020B0502040204020203" pitchFamily="34" charset="0"/>
@@ -7006,7 +6748,28 @@
                     <a:p>
                       <a:pPr algn="ctr"/>
                       <a:r>
-                        <a:rPr lang="he-IL" sz="1200" b="1" smtClean="0">
+                        <a:rPr lang="he-IL" sz="1200" b="1" dirty="0">
+                          <a:latin typeface="Segoe UI" panose="020B0502040204020203" pitchFamily="34" charset="0"/>
+                          <a:cs typeface="Segoe UI" panose="020B0502040204020203" pitchFamily="34" charset="0"/>
+                        </a:rPr>
+                        <a:t>שם</a:t>
+                      </a:r>
+                      <a:endParaRPr lang="en-US" sz="1200" b="1" dirty="0">
+                        <a:latin typeface="Segoe UI" panose="020B0502040204020203" pitchFamily="34" charset="0"/>
+                        <a:cs typeface="Segoe UI" panose="020B0502040204020203" pitchFamily="34" charset="0"/>
+                      </a:endParaRPr>
+                    </a:p>
+                  </a:txBody>
+                  <a:tcPr anchor="ctr"/>
+                </a:tc>
+                <a:tc>
+                  <a:txBody>
+                    <a:bodyPr/>
+                    <a:lstStyle/>
+                    <a:p>
+                      <a:pPr algn="ctr"/>
+                      <a:r>
+                        <a:rPr lang="he-IL" sz="1200" b="1">
                           <a:latin typeface="Segoe UI" panose="020B0502040204020203" pitchFamily="34" charset="0"/>
                           <a:cs typeface="Segoe UI" panose="020B0502040204020203" pitchFamily="34" charset="0"/>
                         </a:rPr>
@@ -7049,7 +6812,7 @@
                         <a:defRPr/>
                       </a:pPr>
                       <a:r>
-                        <a:rPr lang="he-IL" sz="1100" b="0" kern="1200" baseline="0" noProof="0" dirty="0" smtClean="0">
+                        <a:rPr lang="he-IL" sz="1100" b="0" kern="1200" baseline="0" noProof="0" dirty="0">
                           <a:solidFill>
                             <a:schemeClr val="tx1"/>
                           </a:solidFill>
@@ -7093,7 +6856,7 @@
                         <a:defRPr/>
                       </a:pPr>
                       <a:r>
-                        <a:rPr lang="en-US" sz="1100" b="0" kern="1200" baseline="0" noProof="0" dirty="0" smtClean="0">
+                        <a:rPr lang="en-US" sz="1100" b="0" kern="1200" baseline="0" noProof="0" dirty="0">
                           <a:solidFill>
                             <a:schemeClr val="tx1"/>
                           </a:solidFill>
@@ -7103,14 +6866,6 @@
                         </a:rPr>
                         <a:t>9</a:t>
                       </a:r>
-                      <a:endParaRPr lang="en-US" sz="1100" b="0" kern="1200" baseline="0" noProof="0" dirty="0">
-                        <a:solidFill>
-                          <a:schemeClr val="tx1"/>
-                        </a:solidFill>
-                        <a:latin typeface="+mn-lt"/>
-                        <a:ea typeface="+mn-ea"/>
-                        <a:cs typeface="Segoe UI" panose="020B0502040204020203" pitchFamily="34" charset="0"/>
-                      </a:endParaRPr>
                     </a:p>
                   </a:txBody>
                   <a:tcPr anchor="ctr"/>
@@ -7137,7 +6892,7 @@
                         <a:defRPr/>
                       </a:pPr>
                       <a:r>
-                        <a:rPr lang="he-IL" sz="1100" dirty="0" smtClean="0"/>
+                        <a:rPr lang="he-IL" sz="1100" dirty="0"/>
                         <a:t>278,568</a:t>
                       </a:r>
                       <a:endParaRPr lang="en-US" sz="1100" b="0" kern="1200" baseline="0" noProof="0" dirty="0">
@@ -7159,7 +6914,7 @@
                     <a:p>
                       <a:pPr algn="r" rtl="1"/>
                       <a:r>
-                        <a:rPr lang="he-IL" sz="1100" b="0" dirty="0" smtClean="0">
+                        <a:rPr lang="he-IL" sz="1100" b="0" dirty="0">
                           <a:solidFill>
                             <a:schemeClr val="tx1"/>
                           </a:solidFill>
@@ -7186,7 +6941,7 @@
                     <a:p>
                       <a:pPr algn="ctr" rtl="0"/>
                       <a:r>
-                        <a:rPr lang="he-IL" sz="1200" b="1" dirty="0" smtClean="0">
+                        <a:rPr lang="he-IL" sz="1200" b="1" dirty="0">
                           <a:solidFill>
                             <a:schemeClr val="tx1"/>
                           </a:solidFill>
@@ -7195,7 +6950,7 @@
                         </a:rPr>
                         <a:t>שכבת חלקות בתהליך</a:t>
                       </a:r>
-                      <a:endParaRPr lang="he-IL" sz="1200" b="1" dirty="0" smtClean="0">
+                      <a:endParaRPr lang="he-IL" sz="1200" b="1" dirty="0">
                         <a:solidFill>
                           <a:schemeClr val="tx1"/>
                         </a:solidFill>
@@ -7207,7 +6962,7 @@
                     <a:p>
                       <a:pPr algn="ctr" rtl="0"/>
                       <a:r>
-                        <a:rPr lang="en-US" sz="1200" b="1" dirty="0" err="1" smtClean="0">
+                        <a:rPr lang="en-US" sz="1200" b="1" dirty="0" err="1">
                           <a:solidFill>
                             <a:schemeClr val="tx1"/>
                           </a:solidFill>
@@ -7217,7 +6972,7 @@
                         <a:t>Parcels_InProcess</a:t>
                       </a:r>
                       <a:r>
-                        <a:rPr lang="en-US" sz="1200" b="0" dirty="0" smtClean="0">
+                        <a:rPr lang="en-US" sz="1200" b="0" dirty="0">
                           <a:solidFill>
                             <a:schemeClr val="tx1"/>
                           </a:solidFill>
@@ -7230,7 +6985,7 @@
                     <a:p>
                       <a:pPr algn="ctr" rtl="0"/>
                       <a:r>
-                        <a:rPr lang="en-US" sz="1100" b="0" i="1" dirty="0" smtClean="0">
+                        <a:rPr lang="en-US" sz="1100" b="0" i="1" dirty="0">
                           <a:solidFill>
                             <a:schemeClr val="tx1"/>
                           </a:solidFill>
@@ -7240,7 +6995,7 @@
                         <a:t>layer=</a:t>
                       </a:r>
                       <a:r>
-                        <a:rPr lang="en-US" sz="1100" b="0" i="1" dirty="0" err="1" smtClean="0">
+                        <a:rPr lang="en-US" sz="1100" b="0" i="1" dirty="0" err="1">
                           <a:solidFill>
                             <a:schemeClr val="tx1"/>
                           </a:solidFill>
@@ -7267,7 +7022,7 @@
                     <a:p>
                       <a:pPr algn="ctr"/>
                       <a:r>
-                        <a:rPr lang="en-US" sz="1100" b="0" dirty="0" err="1" smtClean="0">
+                        <a:rPr lang="en-US" sz="1100" b="0" dirty="0" err="1">
                           <a:solidFill>
                             <a:schemeClr val="tx1"/>
                           </a:solidFill>
@@ -7317,7 +7072,7 @@
                         <a:defRPr/>
                       </a:pPr>
                       <a:r>
-                        <a:rPr lang="he-IL" sz="1100" b="0" kern="1200" baseline="0" dirty="0" smtClean="0">
+                        <a:rPr lang="he-IL" sz="1100" b="0" kern="1200" baseline="0" dirty="0">
                           <a:solidFill>
                             <a:schemeClr val="tx1"/>
                           </a:solidFill>
@@ -7328,7 +7083,7 @@
                         <a:t>לקבלת מספר מזהה של גוש לשדה </a:t>
                       </a:r>
                       <a:r>
-                        <a:rPr lang="en-US" sz="1100" b="0" i="0" u="none" strike="noStrike" dirty="0" err="1" smtClean="0">
+                        <a:rPr lang="en-US" sz="1100" b="0" i="0" u="none" strike="noStrike" dirty="0" err="1">
                           <a:solidFill>
                             <a:srgbClr val="000000"/>
                           </a:solidFill>
@@ -7338,7 +7093,7 @@
                         </a:rPr>
                         <a:t>BlockUniqueID</a:t>
                       </a:r>
-                      <a:endParaRPr lang="he-IL" sz="1100" b="0" kern="1200" baseline="0" dirty="0" smtClean="0">
+                      <a:endParaRPr lang="he-IL" sz="1100" b="0" kern="1200" baseline="0" dirty="0">
                         <a:solidFill>
                           <a:schemeClr val="tx1"/>
                         </a:solidFill>
@@ -7372,7 +7127,7 @@
                         <a:defRPr/>
                       </a:pPr>
                       <a:r>
-                        <a:rPr lang="en-US" sz="1100" b="0" kern="1200" baseline="0" noProof="0" dirty="0" smtClean="0">
+                        <a:rPr lang="en-US" sz="1100" b="0" kern="1200" baseline="0" noProof="0" dirty="0">
                           <a:solidFill>
                             <a:schemeClr val="tx1"/>
                           </a:solidFill>
@@ -7382,14 +7137,6 @@
                         </a:rPr>
                         <a:t>3</a:t>
                       </a:r>
-                      <a:endParaRPr lang="en-US" sz="1100" b="0" kern="1200" baseline="0" noProof="0" dirty="0">
-                        <a:solidFill>
-                          <a:schemeClr val="tx1"/>
-                        </a:solidFill>
-                        <a:latin typeface="+mn-lt"/>
-                        <a:ea typeface="+mn-ea"/>
-                        <a:cs typeface="Segoe UI" panose="020B0502040204020203" pitchFamily="34" charset="0"/>
-                      </a:endParaRPr>
                     </a:p>
                   </a:txBody>
                   <a:tcPr anchor="ctr"/>
@@ -7416,7 +7163,7 @@
                         <a:defRPr/>
                       </a:pPr>
                       <a:r>
-                        <a:rPr lang="he-IL" sz="1100" kern="1200" dirty="0" smtClean="0">
+                        <a:rPr lang="he-IL" sz="1100" kern="1200" dirty="0">
                           <a:solidFill>
                             <a:schemeClr val="dk1"/>
                           </a:solidFill>
@@ -7445,7 +7192,7 @@
                     <a:p>
                       <a:pPr algn="r" rtl="1"/>
                       <a:r>
-                        <a:rPr lang="he-IL" sz="1100" b="0" dirty="0" smtClean="0">
+                        <a:rPr lang="he-IL" sz="1100" b="0" dirty="0">
                           <a:solidFill>
                             <a:schemeClr val="tx1"/>
                           </a:solidFill>
@@ -7455,7 +7202,7 @@
                         <a:t>שכבת</a:t>
                       </a:r>
                       <a:r>
-                        <a:rPr lang="he-IL" sz="1100" b="0" baseline="0" dirty="0" smtClean="0">
+                        <a:rPr lang="he-IL" sz="1100" b="0" baseline="0" dirty="0">
                           <a:solidFill>
                             <a:schemeClr val="tx1"/>
                           </a:solidFill>
@@ -7465,7 +7212,7 @@
                         <a:t> גבולות גושי </a:t>
                       </a:r>
                       <a:r>
-                        <a:rPr lang="he-IL" sz="1100" b="0" baseline="0" dirty="0" err="1" smtClean="0">
+                        <a:rPr lang="he-IL" sz="1100" b="0" baseline="0" dirty="0" err="1">
                           <a:solidFill>
                             <a:schemeClr val="tx1"/>
                           </a:solidFill>
@@ -7475,7 +7222,7 @@
                         <a:t>קדסטר</a:t>
                       </a:r>
                       <a:r>
-                        <a:rPr lang="he-IL" sz="1100" b="0" baseline="0" dirty="0" smtClean="0">
+                        <a:rPr lang="he-IL" sz="1100" b="0" baseline="0" dirty="0">
                           <a:solidFill>
                             <a:schemeClr val="tx1"/>
                           </a:solidFill>
@@ -7502,7 +7249,7 @@
                     <a:p>
                       <a:pPr algn="ctr" rtl="0"/>
                       <a:r>
-                        <a:rPr lang="he-IL" sz="1200" b="1" dirty="0" smtClean="0">
+                        <a:rPr lang="he-IL" sz="1200" b="1" dirty="0">
                           <a:solidFill>
                             <a:schemeClr val="tx1"/>
                           </a:solidFill>
@@ -7515,7 +7262,7 @@
                     <a:p>
                       <a:pPr algn="ctr" rtl="0"/>
                       <a:r>
-                        <a:rPr lang="en-US" sz="1200" b="0" i="1" dirty="0" smtClean="0">
+                        <a:rPr lang="en-US" sz="1200" b="0" i="1" dirty="0">
                           <a:solidFill>
                             <a:schemeClr val="tx1"/>
                           </a:solidFill>
@@ -7524,13 +7271,6 @@
                         </a:rPr>
                         <a:t>Layer=Blocks</a:t>
                       </a:r>
-                      <a:endParaRPr lang="en-US" sz="1200" b="0" i="1" dirty="0">
-                        <a:solidFill>
-                          <a:schemeClr val="tx1"/>
-                        </a:solidFill>
-                        <a:latin typeface="+mn-lt"/>
-                        <a:cs typeface="Segoe UI" panose="020B0502040204020203" pitchFamily="34" charset="0"/>
-                      </a:endParaRPr>
                     </a:p>
                   </a:txBody>
                   <a:tcPr anchor="ctr"/>
@@ -7542,7 +7282,7 @@
                     <a:p>
                       <a:pPr algn="ctr"/>
                       <a:r>
-                        <a:rPr lang="en-US" sz="1100" b="0" dirty="0" err="1" smtClean="0">
+                        <a:rPr lang="en-US" sz="1100" b="0" dirty="0" err="1">
                           <a:solidFill>
                             <a:schemeClr val="tx1"/>
                           </a:solidFill>
@@ -7592,7 +7332,7 @@
                         <a:defRPr/>
                       </a:pPr>
                       <a:r>
-                        <a:rPr lang="he-IL" sz="1100" b="0" kern="1200" baseline="0" dirty="0" smtClean="0">
+                        <a:rPr lang="he-IL" sz="1100" b="0" kern="1200" baseline="0" dirty="0">
                           <a:solidFill>
                             <a:schemeClr val="tx1"/>
                           </a:solidFill>
@@ -7603,7 +7343,7 @@
                         <a:t>לקבלת מספר מזהה של תהליך לשדות</a:t>
                       </a:r>
                       <a:r>
-                        <a:rPr lang="en-US" sz="1100" b="0" kern="1200" baseline="0" dirty="0" smtClean="0">
+                        <a:rPr lang="en-US" sz="1100" b="0" kern="1200" baseline="0" dirty="0">
                           <a:solidFill>
                             <a:schemeClr val="tx1"/>
                           </a:solidFill>
@@ -7614,7 +7354,7 @@
                         <a:t> </a:t>
                       </a:r>
                       <a:r>
-                        <a:rPr lang="en-US" sz="1100" b="0" i="0" u="none" strike="noStrike" dirty="0" err="1" smtClean="0">
+                        <a:rPr lang="en-US" sz="1100" b="0" i="0" u="none" strike="noStrike" dirty="0" err="1">
                           <a:solidFill>
                             <a:srgbClr val="000000"/>
                           </a:solidFill>
@@ -7625,7 +7365,7 @@
                         <a:t>CPBCreateProcessUniqueID</a:t>
                       </a:r>
                       <a:r>
-                        <a:rPr lang="he-IL" sz="1100" b="0" i="0" u="none" strike="noStrike" dirty="0" smtClean="0">
+                        <a:rPr lang="he-IL" sz="1100" b="0" i="0" u="none" strike="noStrike" dirty="0">
                           <a:solidFill>
                             <a:srgbClr val="000000"/>
                           </a:solidFill>
@@ -7636,7 +7376,7 @@
                         <a:t>, </a:t>
                       </a:r>
                       <a:r>
-                        <a:rPr lang="en-US" sz="1100" b="0" i="0" u="none" strike="noStrike" dirty="0" err="1" smtClean="0">
+                        <a:rPr lang="en-US" sz="1100" b="0" i="0" u="none" strike="noStrike" dirty="0" err="1">
                           <a:solidFill>
                             <a:srgbClr val="000000"/>
                           </a:solidFill>
@@ -7646,7 +7386,7 @@
                         </a:rPr>
                         <a:t>CPBUpdateProcessUniqueID</a:t>
                       </a:r>
-                      <a:endParaRPr lang="he-IL" sz="1100" b="0" kern="1200" baseline="0" dirty="0" smtClean="0">
+                      <a:endParaRPr lang="he-IL" sz="1100" b="0" kern="1200" baseline="0" dirty="0">
                         <a:solidFill>
                           <a:schemeClr val="tx1"/>
                         </a:solidFill>
@@ -7680,7 +7420,7 @@
                         <a:defRPr/>
                       </a:pPr>
                       <a:r>
-                        <a:rPr lang="en-US" sz="1100" b="0" kern="1200" baseline="0" noProof="0" dirty="0" smtClean="0">
+                        <a:rPr lang="en-US" sz="1100" b="0" kern="1200" baseline="0" noProof="0" dirty="0">
                           <a:solidFill>
                             <a:schemeClr val="tx1"/>
                           </a:solidFill>
@@ -7690,14 +7430,6 @@
                         </a:rPr>
                         <a:t>2</a:t>
                       </a:r>
-                      <a:endParaRPr lang="en-US" sz="1100" b="0" kern="1200" baseline="0" noProof="0" dirty="0">
-                        <a:solidFill>
-                          <a:schemeClr val="tx1"/>
-                        </a:solidFill>
-                        <a:latin typeface="+mn-lt"/>
-                        <a:ea typeface="+mn-ea"/>
-                        <a:cs typeface="Segoe UI" panose="020B0502040204020203" pitchFamily="34" charset="0"/>
-                      </a:endParaRPr>
                     </a:p>
                   </a:txBody>
                   <a:tcPr anchor="ctr"/>
@@ -7724,7 +7456,7 @@
                         <a:defRPr/>
                       </a:pPr>
                       <a:r>
-                        <a:rPr lang="he-IL" sz="1100" kern="1200" noProof="0" dirty="0" smtClean="0">
+                        <a:rPr lang="he-IL" sz="1100" kern="1200" noProof="0" dirty="0">
                           <a:solidFill>
                             <a:schemeClr val="dk1"/>
                           </a:solidFill>
@@ -7753,7 +7485,7 @@
                     <a:p>
                       <a:pPr algn="r" rtl="1"/>
                       <a:r>
-                        <a:rPr lang="he-IL" sz="1100" b="0" dirty="0" smtClean="0">
+                        <a:rPr lang="he-IL" sz="1100" b="0" dirty="0">
                           <a:solidFill>
                             <a:schemeClr val="tx1"/>
                           </a:solidFill>
@@ -7763,7 +7495,7 @@
                         <a:t>שכבת</a:t>
                       </a:r>
                       <a:r>
-                        <a:rPr lang="he-IL" sz="1100" b="0" baseline="0" dirty="0" smtClean="0">
+                        <a:rPr lang="he-IL" sz="1100" b="0" baseline="0" dirty="0">
                           <a:solidFill>
                             <a:schemeClr val="tx1"/>
                           </a:solidFill>
@@ -7773,7 +7505,7 @@
                         <a:t> גבולות תהליכי </a:t>
                       </a:r>
                       <a:r>
-                        <a:rPr lang="he-IL" sz="1100" b="0" baseline="0" dirty="0" err="1" smtClean="0">
+                        <a:rPr lang="he-IL" sz="1100" b="0" baseline="0" dirty="0" err="1">
                           <a:solidFill>
                             <a:schemeClr val="tx1"/>
                           </a:solidFill>
@@ -7783,7 +7515,7 @@
                         <a:t>קדסטר</a:t>
                       </a:r>
                       <a:r>
-                        <a:rPr lang="he-IL" sz="1100" b="0" baseline="0" dirty="0" smtClean="0">
+                        <a:rPr lang="he-IL" sz="1100" b="0" baseline="0" dirty="0">
                           <a:solidFill>
                             <a:schemeClr val="tx1"/>
                           </a:solidFill>
@@ -7810,7 +7542,7 @@
                     <a:p>
                       <a:pPr algn="ctr" rtl="0"/>
                       <a:r>
-                        <a:rPr lang="he-IL" sz="1200" b="1" dirty="0" smtClean="0">
+                        <a:rPr lang="he-IL" sz="1200" b="1" dirty="0">
                           <a:solidFill>
                             <a:schemeClr val="tx1"/>
                           </a:solidFill>
@@ -7823,7 +7555,7 @@
                     <a:p>
                       <a:pPr algn="ctr" rtl="0"/>
                       <a:r>
-                        <a:rPr lang="en-US" sz="1200" b="0" i="1" dirty="0" smtClean="0">
+                        <a:rPr lang="en-US" sz="1200" b="0" i="1" dirty="0">
                           <a:solidFill>
                             <a:schemeClr val="tx1"/>
                           </a:solidFill>
@@ -7833,7 +7565,7 @@
                         <a:t>Layer=</a:t>
                       </a:r>
                       <a:r>
-                        <a:rPr lang="en-US" sz="1200" b="0" i="1" dirty="0" err="1" smtClean="0">
+                        <a:rPr lang="en-US" sz="1200" b="0" i="1" dirty="0" err="1">
                           <a:solidFill>
                             <a:schemeClr val="tx1"/>
                           </a:solidFill>
@@ -7860,7 +7592,7 @@
                     <a:p>
                       <a:pPr algn="ctr"/>
                       <a:r>
-                        <a:rPr lang="en-US" sz="1100" b="0" dirty="0" err="1" smtClean="0">
+                        <a:rPr lang="en-US" sz="1100" b="0" dirty="0" err="1">
                           <a:solidFill>
                             <a:schemeClr val="tx1"/>
                           </a:solidFill>
@@ -7967,13 +7699,6 @@
     <a:masterClrMapping/>
   </p:clrMapOvr>
   <p:transition/>
-  <p:timing>
-    <p:tnLst>
-      <p:par>
-        <p:cTn id="1" dur="indefinite" restart="never" nodeType="tmRoot"/>
-      </p:par>
-    </p:tnLst>
-  </p:timing>
 </p:sld>
 </file>
 
@@ -8048,7 +7773,7 @@
           <a:p>
             <a:pPr algn="r"/>
             <a:r>
-              <a:rPr lang="he-IL" sz="3600" dirty="0" smtClean="0">
+              <a:rPr lang="he-IL" sz="3600" dirty="0">
                 <a:solidFill>
                   <a:srgbClr val="002060"/>
                 </a:solidFill>
@@ -8083,53 +7808,11 @@
           <a:p>
             <a:pPr algn="ctr" rtl="1"/>
             <a:r>
-              <a:rPr lang="en-US" sz="1200" i="1" dirty="0" smtClean="0">
-                <a:latin typeface="Segoe UI" panose="020B0502040204020203" pitchFamily="34" charset="0"/>
-                <a:cs typeface="Segoe UI" panose="020B0502040204020203" pitchFamily="34" charset="0"/>
-              </a:rPr>
-              <a:t>'PARCELNAME</a:t>
-            </a:r>
-            <a:r>
               <a:rPr lang="en-US" sz="1200" i="1" dirty="0">
                 <a:latin typeface="Segoe UI" panose="020B0502040204020203" pitchFamily="34" charset="0"/>
                 <a:cs typeface="Segoe UI" panose="020B0502040204020203" pitchFamily="34" charset="0"/>
               </a:rPr>
-              <a:t>', 'GUSHNUM', 'GUSHSUFFIX</a:t>
-            </a:r>
-            <a:r>
-              <a:rPr lang="en-US" sz="1200" i="1" dirty="0" smtClean="0">
-                <a:latin typeface="Segoe UI" panose="020B0502040204020203" pitchFamily="34" charset="0"/>
-                <a:cs typeface="Segoe UI" panose="020B0502040204020203" pitchFamily="34" charset="0"/>
-              </a:rPr>
-              <a:t>', 'TALAR_NUM</a:t>
-            </a:r>
-            <a:r>
-              <a:rPr lang="en-US" sz="1200" i="1" dirty="0">
-                <a:latin typeface="Segoe UI" panose="020B0502040204020203" pitchFamily="34" charset="0"/>
-                <a:cs typeface="Segoe UI" panose="020B0502040204020203" pitchFamily="34" charset="0"/>
-              </a:rPr>
-              <a:t>', 'TALAR_YEAR', 'CADASTER_PROCESS</a:t>
-            </a:r>
-            <a:r>
-              <a:rPr lang="en-US" sz="1200" i="1" dirty="0" smtClean="0">
-                <a:latin typeface="Segoe UI" panose="020B0502040204020203" pitchFamily="34" charset="0"/>
-                <a:cs typeface="Segoe UI" panose="020B0502040204020203" pitchFamily="34" charset="0"/>
-              </a:rPr>
-              <a:t>', 'ENTITY_STATE</a:t>
-            </a:r>
-            <a:r>
-              <a:rPr lang="en-US" sz="1200" i="1" dirty="0">
-                <a:latin typeface="Segoe UI" panose="020B0502040204020203" pitchFamily="34" charset="0"/>
-                <a:cs typeface="Segoe UI" panose="020B0502040204020203" pitchFamily="34" charset="0"/>
-              </a:rPr>
-              <a:t>', 'TABAPLAN', 'LEGALAREA', 'geometry</a:t>
-            </a:r>
-            <a:r>
-              <a:rPr lang="en-US" sz="1200" i="1" dirty="0" smtClean="0">
-                <a:latin typeface="Segoe UI" panose="020B0502040204020203" pitchFamily="34" charset="0"/>
-                <a:cs typeface="Segoe UI" panose="020B0502040204020203" pitchFamily="34" charset="0"/>
-              </a:rPr>
-              <a:t>'</a:t>
+              <a:t>'PARCELNAME', 'GUSHNUM', 'GUSHSUFFIX', 'TALAR_NUM', 'TALAR_YEAR', 'CADASTER_PROCESS', 'ENTITY_STATE', 'TABAPLAN', 'LEGALAREA', 'geometry'</a:t>
             </a:r>
           </a:p>
         </p:txBody>
@@ -8188,7 +7871,7 @@
           <a:p>
             <a:pPr algn="r"/>
             <a:r>
-              <a:rPr lang="he-IL" sz="2400" dirty="0" smtClean="0">
+              <a:rPr lang="he-IL" sz="2400" dirty="0">
                 <a:solidFill>
                   <a:srgbClr val="002060"/>
                 </a:solidFill>
@@ -8254,7 +7937,7 @@
           <a:p>
             <a:pPr algn="r"/>
             <a:r>
-              <a:rPr lang="he-IL" sz="2400" dirty="0" smtClean="0">
+              <a:rPr lang="he-IL" sz="2400" dirty="0">
                 <a:solidFill>
                   <a:srgbClr val="002060"/>
                 </a:solidFill>
@@ -8264,7 +7947,7 @@
               <a:t>גושי </a:t>
             </a:r>
             <a:r>
-              <a:rPr lang="he-IL" sz="2400" dirty="0" err="1" smtClean="0">
+              <a:rPr lang="he-IL" sz="2400" dirty="0" err="1">
                 <a:solidFill>
                   <a:srgbClr val="002060"/>
                 </a:solidFill>
@@ -8274,7 +7957,7 @@
               <a:t>קדסטר</a:t>
             </a:r>
             <a:r>
-              <a:rPr lang="he-IL" sz="2400" dirty="0" smtClean="0">
+              <a:rPr lang="he-IL" sz="2400" dirty="0">
                 <a:solidFill>
                   <a:srgbClr val="002060"/>
                 </a:solidFill>
@@ -8414,7 +8097,7 @@
           <a:p>
             <a:pPr algn="r"/>
             <a:r>
-              <a:rPr lang="he-IL" sz="2400" dirty="0" smtClean="0">
+              <a:rPr lang="he-IL" sz="2400" dirty="0">
                 <a:solidFill>
                   <a:srgbClr val="002060"/>
                 </a:solidFill>
@@ -8424,7 +8107,7 @@
               <a:t>גבולות תהליכי </a:t>
             </a:r>
             <a:r>
-              <a:rPr lang="he-IL" sz="2400" dirty="0" err="1" smtClean="0">
+              <a:rPr lang="he-IL" sz="2400" dirty="0" err="1">
                 <a:solidFill>
                   <a:srgbClr val="002060"/>
                 </a:solidFill>
@@ -8434,7 +8117,7 @@
               <a:t>קדסטר</a:t>
             </a:r>
             <a:r>
-              <a:rPr lang="he-IL" sz="2400" dirty="0" smtClean="0">
+              <a:rPr lang="he-IL" sz="2400" dirty="0">
                 <a:solidFill>
                   <a:srgbClr val="002060"/>
                 </a:solidFill>
@@ -8517,13 +8200,6 @@
     <a:masterClrMapping/>
   </p:clrMapOvr>
   <p:transition/>
-  <p:timing>
-    <p:tnLst>
-      <p:par>
-        <p:cTn id="1" dur="indefinite" restart="never" nodeType="tmRoot"/>
-      </p:par>
-    </p:tnLst>
-  </p:timing>
 </p:sld>
 </file>
 
@@ -8598,7 +8274,7 @@
           <a:p>
             <a:pPr algn="r"/>
             <a:r>
-              <a:rPr lang="he-IL" sz="3600" dirty="0" smtClean="0">
+              <a:rPr lang="he-IL" sz="3600" dirty="0">
                 <a:solidFill>
                   <a:srgbClr val="002060"/>
                 </a:solidFill>
@@ -8607,13 +8283,6 @@
               </a:rPr>
               <a:t>חישוב ואכלוס שדות חדשים</a:t>
             </a:r>
-            <a:endParaRPr lang="he-IL" sz="3600" dirty="0">
-              <a:solidFill>
-                <a:srgbClr val="002060"/>
-              </a:solidFill>
-              <a:latin typeface="Calibri" panose="020F0502020204030204" pitchFamily="34" charset="0"/>
-              <a:cs typeface="Calibri" panose="020F0502020204030204" pitchFamily="34" charset="0"/>
-            </a:endParaRPr>
           </a:p>
         </p:txBody>
       </p:sp>
@@ -8626,7 +8295,7 @@
           <p:nvPr>
             <p:extLst>
               <p:ext uri="{D42A27DB-BD31-4B8C-83A1-F6EECF244321}">
-                <p14:modId xmlns:p14="http://schemas.microsoft.com/office/powerpoint/2010/main" val="2144212121"/>
+                <p14:modId xmlns:p14="http://schemas.microsoft.com/office/powerpoint/2010/main" val="2714659649"/>
               </p:ext>
             </p:extLst>
           </p:nvPr>
@@ -8695,7 +8364,7 @@
                     <a:p>
                       <a:pPr algn="ctr" rtl="1" fontAlgn="b"/>
                       <a:r>
-                        <a:rPr lang="he-IL" sz="2400" b="1" u="none" strike="noStrike" dirty="0" smtClean="0">
+                        <a:rPr lang="he-IL" sz="2400" b="1" u="none" strike="noStrike" dirty="0">
                           <a:effectLst/>
                         </a:rPr>
                         <a:t>תיאור חישוב</a:t>
@@ -8748,7 +8417,7 @@
                         <a:defRPr/>
                       </a:pPr>
                       <a:r>
-                        <a:rPr lang="en-US" sz="1400" b="0" kern="1200" dirty="0" smtClean="0">
+                        <a:rPr lang="en-US" sz="1400" b="0" kern="1200" dirty="0">
                           <a:solidFill>
                             <a:schemeClr val="tx1"/>
                           </a:solidFill>
@@ -8774,7 +8443,7 @@
                     <a:p>
                       <a:pPr lvl="1" algn="r" rtl="1" fontAlgn="b"/>
                       <a:r>
-                        <a:rPr lang="he-IL" sz="1600" b="0" i="0" u="none" strike="noStrike" dirty="0" smtClean="0">
+                        <a:rPr lang="he-IL" sz="1600" b="0" i="0" u="none" strike="noStrike" dirty="0">
                           <a:solidFill>
                             <a:srgbClr val="000000"/>
                           </a:solidFill>
@@ -8785,7 +8454,7 @@
                         <a:t>מספר</a:t>
                       </a:r>
                       <a:r>
-                        <a:rPr lang="he-IL" sz="1600" b="0" i="0" u="none" strike="noStrike" baseline="0" dirty="0" smtClean="0">
+                        <a:rPr lang="he-IL" sz="1600" b="0" i="0" u="none" strike="noStrike" baseline="0" dirty="0">
                           <a:solidFill>
                             <a:srgbClr val="000000"/>
                           </a:solidFill>
@@ -8793,7 +8462,18 @@
                           <a:latin typeface="Segoe UI" panose="020B0502040204020203" pitchFamily="34" charset="0"/>
                           <a:cs typeface="Segoe UI" panose="020B0502040204020203" pitchFamily="34" charset="0"/>
                         </a:rPr>
-                        <a:t> רץ החל מ-1 ועד כמות החלקות (כמות הרשומות)</a:t>
+                        <a:t> רץ </a:t>
+                      </a:r>
+                      <a:r>
+                        <a:rPr lang="he-IL" sz="1600" b="0" i="0" u="none" strike="noStrike" baseline="0">
+                          <a:solidFill>
+                            <a:srgbClr val="000000"/>
+                          </a:solidFill>
+                          <a:effectLst/>
+                          <a:latin typeface="Segoe UI" panose="020B0502040204020203" pitchFamily="34" charset="0"/>
+                          <a:cs typeface="Segoe UI" panose="020B0502040204020203" pitchFamily="34" charset="0"/>
+                        </a:rPr>
+                        <a:t>החל 100,000,000</a:t>
                       </a:r>
                       <a:endParaRPr lang="en-US" sz="1600" b="0" i="0" u="none" strike="noStrike" dirty="0">
                         <a:solidFill>
@@ -8825,7 +8505,7 @@
                     <a:p>
                       <a:pPr algn="ctr" rtl="0" fontAlgn="b"/>
                       <a:r>
-                        <a:rPr lang="en-US" sz="1400" b="0" i="0" u="none" strike="noStrike" dirty="0" smtClean="0">
+                        <a:rPr lang="en-US" sz="1400" b="0" i="0" u="none" strike="noStrike" dirty="0">
                           <a:solidFill>
                             <a:srgbClr val="000000"/>
                           </a:solidFill>
@@ -8835,14 +8515,6 @@
                         </a:rPr>
                         <a:t>ParcelNumber</a:t>
                       </a:r>
-                      <a:endParaRPr lang="en-US" sz="1400" b="0" i="0" u="none" strike="noStrike" dirty="0">
-                        <a:solidFill>
-                          <a:srgbClr val="000000"/>
-                        </a:solidFill>
-                        <a:effectLst/>
-                        <a:latin typeface="+mn-lt"/>
-                        <a:cs typeface="+mn-cs"/>
-                      </a:endParaRPr>
                     </a:p>
                   </a:txBody>
                   <a:tcPr marL="9525" marR="9525" marT="9525" marB="0" anchor="ctr">
@@ -8874,7 +8546,7 @@
                         <a:defRPr/>
                       </a:pPr>
                       <a:r>
-                        <a:rPr lang="he-IL" sz="1600" b="0" i="0" u="none" strike="noStrike" dirty="0" smtClean="0">
+                        <a:rPr lang="he-IL" sz="1600" b="0" i="0" u="none" strike="noStrike" dirty="0">
                           <a:solidFill>
                             <a:srgbClr val="000000"/>
                           </a:solidFill>
@@ -8885,7 +8557,7 @@
                         <a:t>נלקח משדה</a:t>
                       </a:r>
                       <a:r>
-                        <a:rPr lang="he-IL" sz="1600" b="0" i="0" u="none" strike="noStrike" baseline="0" dirty="0" smtClean="0">
+                        <a:rPr lang="he-IL" sz="1600" b="0" i="0" u="none" strike="noStrike" baseline="0" dirty="0">
                           <a:solidFill>
                             <a:srgbClr val="000000"/>
                           </a:solidFill>
@@ -8896,7 +8568,7 @@
                         <a:t> </a:t>
                       </a:r>
                       <a:r>
-                        <a:rPr lang="en-US" sz="1600" b="0" i="0" u="none" strike="noStrike" baseline="0" dirty="0" smtClean="0">
+                        <a:rPr lang="en-US" sz="1600" b="0" i="0" u="none" strike="noStrike" baseline="0" dirty="0">
                           <a:solidFill>
                             <a:srgbClr val="000000"/>
                           </a:solidFill>
@@ -8907,7 +8579,7 @@
                         <a:t>PARCELNAME</a:t>
                       </a:r>
                       <a:r>
-                        <a:rPr lang="he-IL" sz="1600" b="0" i="0" u="none" strike="noStrike" baseline="0" dirty="0" smtClean="0">
+                        <a:rPr lang="he-IL" sz="1600" b="0" i="0" u="none" strike="noStrike" baseline="0" dirty="0">
                           <a:solidFill>
                             <a:srgbClr val="000000"/>
                           </a:solidFill>
@@ -8918,7 +8590,7 @@
                         <a:t> ללא קידומת של אות (</a:t>
                       </a:r>
                       <a:r>
-                        <a:rPr lang="en-US" sz="1600" b="0" i="0" u="none" strike="noStrike" baseline="0" dirty="0" smtClean="0">
+                        <a:rPr lang="en-US" sz="1600" b="0" i="0" u="none" strike="noStrike" baseline="0" dirty="0">
                           <a:solidFill>
                             <a:srgbClr val="000000"/>
                           </a:solidFill>
@@ -8929,7 +8601,7 @@
                         <a:t>F</a:t>
                       </a:r>
                       <a:r>
-                        <a:rPr lang="he-IL" sz="1600" b="0" i="0" u="none" strike="noStrike" baseline="0" dirty="0" smtClean="0">
+                        <a:rPr lang="he-IL" sz="1600" b="0" i="0" u="none" strike="noStrike" baseline="0" dirty="0">
                           <a:solidFill>
                             <a:srgbClr val="000000"/>
                           </a:solidFill>
@@ -8940,7 +8612,7 @@
                         <a:t>/</a:t>
                       </a:r>
                       <a:r>
-                        <a:rPr lang="en-US" sz="1600" b="0" i="0" u="none" strike="noStrike" baseline="0" dirty="0" smtClean="0">
+                        <a:rPr lang="en-US" sz="1600" b="0" i="0" u="none" strike="noStrike" baseline="0" dirty="0">
                           <a:solidFill>
                             <a:srgbClr val="000000"/>
                           </a:solidFill>
@@ -8951,7 +8623,7 @@
                         <a:t>T</a:t>
                       </a:r>
                       <a:r>
-                        <a:rPr lang="he-IL" sz="1600" b="0" i="0" u="none" strike="noStrike" baseline="0" dirty="0" smtClean="0">
+                        <a:rPr lang="he-IL" sz="1600" b="0" i="0" u="none" strike="noStrike" baseline="0" dirty="0">
                           <a:solidFill>
                             <a:srgbClr val="000000"/>
                           </a:solidFill>
@@ -9007,7 +8679,7 @@
                         <a:defRPr/>
                       </a:pPr>
                       <a:r>
-                        <a:rPr lang="en-US" sz="1400" b="0" kern="1200" dirty="0" smtClean="0">
+                        <a:rPr lang="en-US" sz="1400" b="0" kern="1200" dirty="0">
                           <a:solidFill>
                             <a:schemeClr val="tx1"/>
                           </a:solidFill>
@@ -9033,7 +8705,7 @@
                     <a:p>
                       <a:pPr lvl="1" algn="r" rtl="1" fontAlgn="b"/>
                       <a:r>
-                        <a:rPr lang="he-IL" sz="1600" b="0" i="0" u="none" strike="noStrike" dirty="0" smtClean="0">
+                        <a:rPr lang="he-IL" sz="1600" b="0" i="0" u="none" strike="noStrike" dirty="0">
                           <a:solidFill>
                             <a:srgbClr val="000000"/>
                           </a:solidFill>
@@ -9044,7 +8716,7 @@
                         <a:t>נלקח</a:t>
                       </a:r>
                       <a:r>
-                        <a:rPr lang="he-IL" sz="1600" b="0" i="0" u="none" strike="noStrike" baseline="0" dirty="0" smtClean="0">
+                        <a:rPr lang="he-IL" sz="1600" b="0" i="0" u="none" strike="noStrike" baseline="0" dirty="0">
                           <a:solidFill>
                             <a:srgbClr val="000000"/>
                           </a:solidFill>
@@ -9055,7 +8727,7 @@
                         <a:t> מקידומת אות של השדה </a:t>
                       </a:r>
                       <a:r>
-                        <a:rPr lang="en-US" sz="1600" b="0" i="0" u="none" strike="noStrike" baseline="0" dirty="0" smtClean="0">
+                        <a:rPr lang="en-US" sz="1600" b="0" i="0" u="none" strike="noStrike" baseline="0" dirty="0">
                           <a:solidFill>
                             <a:srgbClr val="000000"/>
                           </a:solidFill>
@@ -9066,7 +8738,7 @@
                         <a:t>PARCELNAME</a:t>
                       </a:r>
                       <a:r>
-                        <a:rPr lang="he-IL" sz="1600" b="0" i="0" u="none" strike="noStrike" baseline="0" dirty="0" smtClean="0">
+                        <a:rPr lang="he-IL" sz="1600" b="0" i="0" u="none" strike="noStrike" baseline="0" dirty="0">
                           <a:solidFill>
                             <a:srgbClr val="000000"/>
                           </a:solidFill>
@@ -9077,7 +8749,7 @@
                         <a:t> (</a:t>
                       </a:r>
                       <a:r>
-                        <a:rPr lang="en-US" sz="1600" b="0" i="0" u="none" strike="noStrike" baseline="0" dirty="0" smtClean="0">
+                        <a:rPr lang="en-US" sz="1600" b="0" i="0" u="none" strike="noStrike" baseline="0" dirty="0">
                           <a:solidFill>
                             <a:srgbClr val="000000"/>
                           </a:solidFill>
@@ -9088,7 +8760,7 @@
                         <a:t>F</a:t>
                       </a:r>
                       <a:r>
-                        <a:rPr lang="he-IL" sz="1600" b="0" i="0" u="none" strike="noStrike" baseline="0" dirty="0" smtClean="0">
+                        <a:rPr lang="he-IL" sz="1600" b="0" i="0" u="none" strike="noStrike" baseline="0" dirty="0">
                           <a:solidFill>
                             <a:srgbClr val="000000"/>
                           </a:solidFill>
@@ -9099,7 +8771,7 @@
                         <a:t>/</a:t>
                       </a:r>
                       <a:r>
-                        <a:rPr lang="en-US" sz="1600" b="0" i="0" u="none" strike="noStrike" baseline="0" dirty="0" smtClean="0">
+                        <a:rPr lang="en-US" sz="1600" b="0" i="0" u="none" strike="noStrike" baseline="0" dirty="0">
                           <a:solidFill>
                             <a:srgbClr val="000000"/>
                           </a:solidFill>
@@ -9110,7 +8782,7 @@
                         <a:t>T</a:t>
                       </a:r>
                       <a:r>
-                        <a:rPr lang="he-IL" sz="1600" b="0" i="0" u="none" strike="noStrike" baseline="0" dirty="0" smtClean="0">
+                        <a:rPr lang="he-IL" sz="1600" b="0" i="0" u="none" strike="noStrike" baseline="0" dirty="0">
                           <a:solidFill>
                             <a:srgbClr val="000000"/>
                           </a:solidFill>
@@ -9150,7 +8822,7 @@
                     <a:p>
                       <a:pPr algn="ctr" rtl="0" fontAlgn="b"/>
                       <a:r>
-                        <a:rPr lang="en-US" sz="1400" b="0" i="0" u="none" strike="noStrike" dirty="0" smtClean="0">
+                        <a:rPr lang="en-US" sz="1400" b="0" i="0" u="none" strike="noStrike" dirty="0">
                           <a:solidFill>
                             <a:srgbClr val="000000"/>
                           </a:solidFill>
@@ -9159,6 +8831,126 @@
                           <a:cs typeface="+mn-cs"/>
                         </a:rPr>
                         <a:t>CreateProcessType</a:t>
+                      </a:r>
+                    </a:p>
+                  </a:txBody>
+                  <a:tcPr marL="9525" marR="9525" marT="9525" marB="0" anchor="ctr">
+                    <a:solidFill>
+                      <a:schemeClr val="bg1"/>
+                    </a:solidFill>
+                  </a:tcPr>
+                </a:tc>
+                <a:tc>
+                  <a:txBody>
+                    <a:bodyPr/>
+                    <a:lstStyle/>
+                    <a:p>
+                      <a:pPr lvl="1" algn="r" rtl="1" fontAlgn="b"/>
+                      <a:r>
+                        <a:rPr lang="he-IL" sz="1600" b="0" i="0" u="none" strike="noStrike" dirty="0">
+                          <a:solidFill>
+                            <a:srgbClr val="000000"/>
+                          </a:solidFill>
+                          <a:effectLst/>
+                          <a:latin typeface="Segoe UI" panose="020B0502040204020203" pitchFamily="34" charset="0"/>
+                          <a:cs typeface="Segoe UI" panose="020B0502040204020203" pitchFamily="34" charset="0"/>
+                        </a:rPr>
+                        <a:t>לפי</a:t>
+                      </a:r>
+                      <a:r>
+                        <a:rPr lang="he-IL" sz="1600" b="0" i="0" u="none" strike="noStrike" baseline="0" dirty="0">
+                          <a:solidFill>
+                            <a:srgbClr val="000000"/>
+                          </a:solidFill>
+                          <a:effectLst/>
+                          <a:latin typeface="Segoe UI" panose="020B0502040204020203" pitchFamily="34" charset="0"/>
+                          <a:cs typeface="Segoe UI" panose="020B0502040204020203" pitchFamily="34" charset="0"/>
+                        </a:rPr>
+                        <a:t> שדה </a:t>
+                      </a:r>
+                      <a:r>
+                        <a:rPr lang="en-US" sz="1600" b="0" i="0" u="none" strike="noStrike" baseline="0" dirty="0">
+                          <a:solidFill>
+                            <a:srgbClr val="000000"/>
+                          </a:solidFill>
+                          <a:effectLst/>
+                          <a:latin typeface="Segoe UI" panose="020B0502040204020203" pitchFamily="34" charset="0"/>
+                          <a:cs typeface="Segoe UI" panose="020B0502040204020203" pitchFamily="34" charset="0"/>
+                        </a:rPr>
+                        <a:t>CADASTER_PROCESS</a:t>
+                      </a:r>
+                      <a:r>
+                        <a:rPr lang="he-IL" sz="1600" b="0" i="0" u="none" strike="noStrike" baseline="0" dirty="0">
+                          <a:solidFill>
+                            <a:srgbClr val="000000"/>
+                          </a:solidFill>
+                          <a:effectLst/>
+                          <a:latin typeface="Segoe UI" panose="020B0502040204020203" pitchFamily="34" charset="0"/>
+                          <a:cs typeface="Segoe UI" panose="020B0502040204020203" pitchFamily="34" charset="0"/>
+                        </a:rPr>
+                        <a:t>, באם הערך הינו תהליך יוצר (</a:t>
+                      </a:r>
+                      <a:r>
+                        <a:rPr lang="he-IL" sz="1600" b="0" i="0" u="none" strike="noStrike" baseline="0" dirty="0" err="1">
+                          <a:solidFill>
+                            <a:srgbClr val="000000"/>
+                          </a:solidFill>
+                          <a:effectLst/>
+                          <a:latin typeface="Segoe UI" panose="020B0502040204020203" pitchFamily="34" charset="0"/>
+                          <a:cs typeface="Segoe UI" panose="020B0502040204020203" pitchFamily="34" charset="0"/>
+                        </a:rPr>
+                        <a:t>תצ"ר</a:t>
+                      </a:r>
+                      <a:r>
+                        <a:rPr lang="he-IL" sz="1600" b="0" i="0" u="none" strike="noStrike" baseline="0" dirty="0">
+                          <a:solidFill>
+                            <a:srgbClr val="000000"/>
+                          </a:solidFill>
+                          <a:effectLst/>
+                          <a:latin typeface="Segoe UI" panose="020B0502040204020203" pitchFamily="34" charset="0"/>
+                          <a:cs typeface="Segoe UI" panose="020B0502040204020203" pitchFamily="34" charset="0"/>
+                        </a:rPr>
+                        <a:t>/הסדר וכו')</a:t>
+                      </a:r>
+                      <a:endParaRPr lang="en-US" sz="1600" b="0" i="0" u="none" strike="noStrike" dirty="0">
+                        <a:solidFill>
+                          <a:srgbClr val="000000"/>
+                        </a:solidFill>
+                        <a:effectLst/>
+                        <a:latin typeface="Segoe UI" panose="020B0502040204020203" pitchFamily="34" charset="0"/>
+                        <a:cs typeface="Segoe UI" panose="020B0502040204020203" pitchFamily="34" charset="0"/>
+                      </a:endParaRPr>
+                    </a:p>
+                  </a:txBody>
+                  <a:tcPr marL="9525" marR="9525" marT="9525" marB="0" anchor="ctr">
+                    <a:solidFill>
+                      <a:schemeClr val="bg1"/>
+                    </a:solidFill>
+                  </a:tcPr>
+                </a:tc>
+                <a:extLst>
+                  <a:ext uri="{0D108BD9-81ED-4DB2-BD59-A6C34878D82A}">
+                    <a16:rowId xmlns:a16="http://schemas.microsoft.com/office/drawing/2014/main" val="3254514314"/>
+                  </a:ext>
+                </a:extLst>
+              </a:tr>
+              <a:tr h="361466">
+                <a:tc>
+                  <a:txBody>
+                    <a:bodyPr/>
+                    <a:lstStyle/>
+                    <a:p>
+                      <a:pPr algn="ctr" rtl="0" fontAlgn="b"/>
+                      <a:r>
+                        <a:rPr lang="en-US" sz="1400" b="0" i="0" u="none" strike="noStrike" dirty="0" err="1">
+                          <a:solidFill>
+                            <a:srgbClr val="000000"/>
+                          </a:solidFill>
+                          <a:effectLst/>
+                          <a:latin typeface="+mn-lt"/>
+                          <a:cs typeface="+mn-cs"/>
+                        </a:rPr>
+                        <a:t>ParcelRole</a:t>
                       </a:r>
                       <a:endParaRPr lang="en-US" sz="1400" b="0" i="0" u="none" strike="noStrike" dirty="0">
                         <a:solidFill>
@@ -9183,7 +8975,7 @@
                     <a:p>
                       <a:pPr lvl="1" algn="r" rtl="1" fontAlgn="b"/>
                       <a:r>
-                        <a:rPr lang="he-IL" sz="1600" b="0" i="0" u="none" strike="noStrike" dirty="0" smtClean="0">
+                        <a:rPr lang="he-IL" sz="1600" b="0" i="0" u="none" strike="noStrike" dirty="0">
                           <a:solidFill>
                             <a:srgbClr val="000000"/>
                           </a:solidFill>
@@ -9191,10 +8983,10 @@
                           <a:latin typeface="Segoe UI" panose="020B0502040204020203" pitchFamily="34" charset="0"/>
                           <a:cs typeface="Segoe UI" panose="020B0502040204020203" pitchFamily="34" charset="0"/>
                         </a:rPr>
-                        <a:t>לפי</a:t>
-                      </a:r>
-                      <a:r>
-                        <a:rPr lang="he-IL" sz="1600" b="0" i="0" u="none" strike="noStrike" baseline="0" dirty="0" smtClean="0">
+                        <a:t>נלקח</a:t>
+                      </a:r>
+                      <a:r>
+                        <a:rPr lang="he-IL" sz="1600" b="0" i="0" u="none" strike="noStrike" baseline="0" dirty="0">
                           <a:solidFill>
                             <a:srgbClr val="000000"/>
                           </a:solidFill>
@@ -9202,10 +8994,10 @@
                           <a:latin typeface="Segoe UI" panose="020B0502040204020203" pitchFamily="34" charset="0"/>
                           <a:cs typeface="Segoe UI" panose="020B0502040204020203" pitchFamily="34" charset="0"/>
                         </a:rPr>
-                        <a:t> שדה </a:t>
-                      </a:r>
-                      <a:r>
-                        <a:rPr lang="en-US" sz="1600" b="0" i="0" u="none" strike="noStrike" baseline="0" dirty="0" smtClean="0">
+                        <a:t> משדה </a:t>
+                      </a:r>
+                      <a:r>
+                        <a:rPr lang="en-US" sz="1600" b="0" i="0" u="none" strike="noStrike" baseline="0" dirty="0">
                           <a:solidFill>
                             <a:srgbClr val="000000"/>
                           </a:solidFill>
@@ -9213,40 +9005,7 @@
                           <a:latin typeface="Segoe UI" panose="020B0502040204020203" pitchFamily="34" charset="0"/>
                           <a:cs typeface="Segoe UI" panose="020B0502040204020203" pitchFamily="34" charset="0"/>
                         </a:rPr>
-                        <a:t>CADASTER_PROCESS</a:t>
-                      </a:r>
-                      <a:r>
-                        <a:rPr lang="he-IL" sz="1600" b="0" i="0" u="none" strike="noStrike" baseline="0" dirty="0" smtClean="0">
-                          <a:solidFill>
-                            <a:srgbClr val="000000"/>
-                          </a:solidFill>
-                          <a:effectLst/>
-                          <a:latin typeface="Segoe UI" panose="020B0502040204020203" pitchFamily="34" charset="0"/>
-                          <a:cs typeface="Segoe UI" panose="020B0502040204020203" pitchFamily="34" charset="0"/>
-                        </a:rPr>
-                        <a:t>, באם הערך הינו תהליך יוצר (</a:t>
-                      </a:r>
-                      <a:r>
-                        <a:rPr lang="he-IL" sz="1600" b="0" i="0" u="none" strike="noStrike" baseline="0" dirty="0" err="1" smtClean="0">
-                          <a:solidFill>
-                            <a:srgbClr val="000000"/>
-                          </a:solidFill>
-                          <a:effectLst/>
-                          <a:latin typeface="Segoe UI" panose="020B0502040204020203" pitchFamily="34" charset="0"/>
-                          <a:cs typeface="Segoe UI" panose="020B0502040204020203" pitchFamily="34" charset="0"/>
-                        </a:rPr>
-                        <a:t>תצ"ר</a:t>
-                      </a:r>
-                      <a:r>
-                        <a:rPr lang="he-IL" sz="1600" b="0" i="0" u="none" strike="noStrike" baseline="0" dirty="0" smtClean="0">
-                          <a:solidFill>
-                            <a:srgbClr val="000000"/>
-                          </a:solidFill>
-                          <a:effectLst/>
-                          <a:latin typeface="Segoe UI" panose="020B0502040204020203" pitchFamily="34" charset="0"/>
-                          <a:cs typeface="Segoe UI" panose="020B0502040204020203" pitchFamily="34" charset="0"/>
-                        </a:rPr>
-                        <a:t>/הסדר וכו')</a:t>
+                        <a:t>ENTITY_STATE</a:t>
                       </a:r>
                       <a:endParaRPr lang="en-US" sz="1600" b="0" i="0" u="none" strike="noStrike" dirty="0">
                         <a:solidFill>
@@ -9266,101 +9025,6 @@
                 </a:tc>
                 <a:extLst>
                   <a:ext uri="{0D108BD9-81ED-4DB2-BD59-A6C34878D82A}">
-                    <a16:rowId xmlns:a16="http://schemas.microsoft.com/office/drawing/2014/main" val="3254514314"/>
-                  </a:ext>
-                </a:extLst>
-              </a:tr>
-              <a:tr h="361466">
-                <a:tc>
-                  <a:txBody>
-                    <a:bodyPr/>
-                    <a:lstStyle/>
-                    <a:p>
-                      <a:pPr algn="ctr" rtl="0" fontAlgn="b"/>
-                      <a:r>
-                        <a:rPr lang="en-US" sz="1400" b="0" i="0" u="none" strike="noStrike" dirty="0" err="1" smtClean="0">
-                          <a:solidFill>
-                            <a:srgbClr val="000000"/>
-                          </a:solidFill>
-                          <a:effectLst/>
-                          <a:latin typeface="+mn-lt"/>
-                          <a:cs typeface="+mn-cs"/>
-                        </a:rPr>
-                        <a:t>ParcelRole</a:t>
-                      </a:r>
-                      <a:endParaRPr lang="en-US" sz="1400" b="0" i="0" u="none" strike="noStrike" dirty="0">
-                        <a:solidFill>
-                          <a:srgbClr val="000000"/>
-                        </a:solidFill>
-                        <a:effectLst/>
-                        <a:latin typeface="+mn-lt"/>
-                        <a:cs typeface="+mn-cs"/>
-                      </a:endParaRPr>
-                    </a:p>
-                  </a:txBody>
-                  <a:tcPr marL="9525" marR="9525" marT="9525" marB="0" anchor="ctr">
-                    <a:solidFill>
-                      <a:schemeClr val="bg1"/>
-                    </a:solidFill>
-                  </a:tcPr>
-                </a:tc>
-                <a:tc>
-                  <a:txBody>
-                    <a:bodyPr/>
-                    <a:lstStyle/>
-                    <a:p>
-                      <a:pPr lvl="1" algn="r" rtl="1" fontAlgn="b"/>
-                      <a:r>
-                        <a:rPr lang="he-IL" sz="1600" b="0" i="0" u="none" strike="noStrike" dirty="0" smtClean="0">
-                          <a:solidFill>
-                            <a:srgbClr val="000000"/>
-                          </a:solidFill>
-                          <a:effectLst/>
-                          <a:latin typeface="Segoe UI" panose="020B0502040204020203" pitchFamily="34" charset="0"/>
-                          <a:cs typeface="Segoe UI" panose="020B0502040204020203" pitchFamily="34" charset="0"/>
-                        </a:rPr>
-                        <a:t>נלקח</a:t>
-                      </a:r>
-                      <a:r>
-                        <a:rPr lang="he-IL" sz="1600" b="0" i="0" u="none" strike="noStrike" baseline="0" dirty="0" smtClean="0">
-                          <a:solidFill>
-                            <a:srgbClr val="000000"/>
-                          </a:solidFill>
-                          <a:effectLst/>
-                          <a:latin typeface="Segoe UI" panose="020B0502040204020203" pitchFamily="34" charset="0"/>
-                          <a:cs typeface="Segoe UI" panose="020B0502040204020203" pitchFamily="34" charset="0"/>
-                        </a:rPr>
-                        <a:t> משדה </a:t>
-                      </a:r>
-                      <a:r>
-                        <a:rPr lang="en-US" sz="1600" b="0" i="0" u="none" strike="noStrike" baseline="0" dirty="0" smtClean="0">
-                          <a:solidFill>
-                            <a:srgbClr val="000000"/>
-                          </a:solidFill>
-                          <a:effectLst/>
-                          <a:latin typeface="Segoe UI" panose="020B0502040204020203" pitchFamily="34" charset="0"/>
-                          <a:cs typeface="Segoe UI" panose="020B0502040204020203" pitchFamily="34" charset="0"/>
-                        </a:rPr>
-                        <a:t>ENTITY_STATE</a:t>
-                      </a:r>
-                      <a:endParaRPr lang="en-US" sz="1600" b="0" i="0" u="none" strike="noStrike" dirty="0">
-                        <a:solidFill>
-                          <a:srgbClr val="000000"/>
-                        </a:solidFill>
-                        <a:effectLst/>
-                        <a:latin typeface="Segoe UI" panose="020B0502040204020203" pitchFamily="34" charset="0"/>
-                        <a:cs typeface="Segoe UI" panose="020B0502040204020203" pitchFamily="34" charset="0"/>
-                      </a:endParaRPr>
-                    </a:p>
-                  </a:txBody>
-                  <a:tcPr marL="9525" marR="9525" marT="9525" marB="0" anchor="ctr">
-                    <a:solidFill>
-                      <a:schemeClr val="bg1"/>
-                    </a:solidFill>
-                  </a:tcPr>
-                </a:tc>
-                <a:extLst>
-                  <a:ext uri="{0D108BD9-81ED-4DB2-BD59-A6C34878D82A}">
                     <a16:rowId xmlns:a16="http://schemas.microsoft.com/office/drawing/2014/main" val="2335245935"/>
                   </a:ext>
                 </a:extLst>
@@ -9373,7 +9037,7 @@
                     <a:p>
                       <a:pPr algn="ctr" rtl="0" fontAlgn="b"/>
                       <a:r>
-                        <a:rPr lang="en-US" sz="1400" b="0" i="0" u="none" strike="noStrike" dirty="0" smtClean="0">
+                        <a:rPr lang="en-US" sz="1400" b="0" i="0" u="none" strike="noStrike" dirty="0">
                           <a:solidFill>
                             <a:srgbClr val="000000"/>
                           </a:solidFill>
@@ -9383,14 +9047,6 @@
                         </a:rPr>
                         <a:t>LegalArea</a:t>
                       </a:r>
-                      <a:endParaRPr lang="en-US" sz="1400" b="0" i="0" u="none" strike="noStrike" dirty="0">
-                        <a:solidFill>
-                          <a:srgbClr val="000000"/>
-                        </a:solidFill>
-                        <a:effectLst/>
-                        <a:latin typeface="+mn-lt"/>
-                        <a:cs typeface="+mn-cs"/>
-                      </a:endParaRPr>
                     </a:p>
                   </a:txBody>
                   <a:tcPr marL="9525" marR="9525" marT="9525" marB="0" anchor="ctr">
@@ -9422,7 +9078,7 @@
                         <a:defRPr/>
                       </a:pPr>
                       <a:r>
-                        <a:rPr lang="he-IL" sz="1600" b="0" i="0" u="none" strike="noStrike" dirty="0" smtClean="0">
+                        <a:rPr lang="he-IL" sz="1600" b="0" i="0" u="none" strike="noStrike" dirty="0">
                           <a:solidFill>
                             <a:srgbClr val="000000"/>
                           </a:solidFill>
@@ -9433,7 +9089,7 @@
                         <a:t>נלקח משדה </a:t>
                       </a:r>
                       <a:r>
-                        <a:rPr lang="en-US" sz="1600" b="0" i="0" u="none" strike="noStrike" dirty="0" smtClean="0">
+                        <a:rPr lang="en-US" sz="1600" b="0" i="0" u="none" strike="noStrike" dirty="0">
                           <a:solidFill>
                             <a:srgbClr val="000000"/>
                           </a:solidFill>
@@ -9444,7 +9100,7 @@
                         <a:t>LEGALAREA </a:t>
                       </a:r>
                       <a:r>
-                        <a:rPr lang="he-IL" sz="1600" b="0" i="0" u="none" strike="noStrike" baseline="0" dirty="0" smtClean="0">
+                        <a:rPr lang="he-IL" sz="1600" b="0" i="0" u="none" strike="noStrike" baseline="0" dirty="0">
                           <a:solidFill>
                             <a:srgbClr val="000000"/>
                           </a:solidFill>
@@ -9455,7 +9111,7 @@
                         <a:t> לאחר הכפלה פי 1,000 (כדי לקבל יחידות </a:t>
                       </a:r>
                       <a:r>
-                        <a:rPr lang="he-IL" sz="1600" b="0" i="0" u="none" strike="noStrike" baseline="0" smtClean="0">
+                        <a:rPr lang="he-IL" sz="1600" b="0" i="0" u="none" strike="noStrike" baseline="0">
                           <a:solidFill>
                             <a:srgbClr val="000000"/>
                           </a:solidFill>
@@ -9465,7 +9121,7 @@
                         </a:rPr>
                         <a:t>מטר מרובע)</a:t>
                       </a:r>
-                      <a:endParaRPr lang="en-US" sz="1600" b="0" i="0" u="none" strike="noStrike" dirty="0" smtClean="0">
+                      <a:endParaRPr lang="en-US" sz="1600" b="0" i="0" u="none" strike="noStrike" dirty="0">
                         <a:solidFill>
                           <a:srgbClr val="000000"/>
                         </a:solidFill>
@@ -9495,7 +9151,7 @@
                     <a:p>
                       <a:pPr algn="ctr" rtl="0" fontAlgn="b"/>
                       <a:r>
-                        <a:rPr lang="en-US" sz="1400" b="0" i="0" u="none" strike="noStrike" dirty="0" smtClean="0">
+                        <a:rPr lang="en-US" sz="1400" b="0" i="0" u="none" strike="noStrike" dirty="0">
                           <a:solidFill>
                             <a:srgbClr val="000000"/>
                           </a:solidFill>
@@ -9505,14 +9161,6 @@
                         </a:rPr>
                         <a:t>LandDesignationPlan</a:t>
                       </a:r>
-                      <a:endParaRPr lang="en-US" sz="1400" b="0" i="0" u="none" strike="noStrike" dirty="0">
-                        <a:solidFill>
-                          <a:srgbClr val="000000"/>
-                        </a:solidFill>
-                        <a:effectLst/>
-                        <a:latin typeface="+mn-lt"/>
-                        <a:cs typeface="+mn-cs"/>
-                      </a:endParaRPr>
                     </a:p>
                   </a:txBody>
                   <a:tcPr marL="9525" marR="9525" marT="9525" marB="0" anchor="ctr">
@@ -9544,7 +9192,7 @@
                         <a:defRPr/>
                       </a:pPr>
                       <a:r>
-                        <a:rPr lang="he-IL" sz="1600" b="0" i="0" u="none" strike="noStrike" dirty="0" smtClean="0">
+                        <a:rPr lang="he-IL" sz="1600" b="0" i="0" u="none" strike="noStrike" dirty="0">
                           <a:solidFill>
                             <a:srgbClr val="000000"/>
                           </a:solidFill>
@@ -9555,7 +9203,7 @@
                         <a:t>נלקח משדה </a:t>
                       </a:r>
                       <a:r>
-                        <a:rPr lang="en-US" sz="1600" b="0" i="0" u="none" strike="noStrike" dirty="0" smtClean="0">
+                        <a:rPr lang="en-US" sz="1600" b="0" i="0" u="none" strike="noStrike" dirty="0">
                           <a:solidFill>
                             <a:srgbClr val="000000"/>
                           </a:solidFill>
@@ -9587,7 +9235,7 @@
                     <a:p>
                       <a:pPr algn="ctr" rtl="0" fontAlgn="b"/>
                       <a:r>
-                        <a:rPr lang="en-US" sz="1400" b="0" i="0" u="none" strike="noStrike" dirty="0" smtClean="0">
+                        <a:rPr lang="en-US" sz="1400" b="0" i="0" u="none" strike="noStrike" dirty="0">
                           <a:solidFill>
                             <a:srgbClr val="000000"/>
                           </a:solidFill>
@@ -9596,6 +9244,93 @@
                           <a:cs typeface="+mn-cs"/>
                         </a:rPr>
                         <a:t>BlockUniqueID</a:t>
+                      </a:r>
+                    </a:p>
+                  </a:txBody>
+                  <a:tcPr marL="9525" marR="9525" marT="9525" marB="0" anchor="ctr">
+                    <a:solidFill>
+                      <a:schemeClr val="bg1"/>
+                    </a:solidFill>
+                  </a:tcPr>
+                </a:tc>
+                <a:tc>
+                  <a:txBody>
+                    <a:bodyPr/>
+                    <a:lstStyle/>
+                    <a:p>
+                      <a:pPr lvl="1" algn="r" rtl="1" fontAlgn="b"/>
+                      <a:r>
+                        <a:rPr lang="he-IL" sz="1600" b="0" i="0" u="none" strike="noStrike" dirty="0">
+                          <a:solidFill>
+                            <a:srgbClr val="000000"/>
+                          </a:solidFill>
+                          <a:effectLst/>
+                          <a:latin typeface="Segoe UI" panose="020B0502040204020203" pitchFamily="34" charset="0"/>
+                          <a:cs typeface="Segoe UI" panose="020B0502040204020203" pitchFamily="34" charset="0"/>
+                        </a:rPr>
+                        <a:t>נלקח</a:t>
+                      </a:r>
+                      <a:r>
+                        <a:rPr lang="he-IL" sz="1600" b="0" i="0" u="none" strike="noStrike" baseline="0" dirty="0">
+                          <a:solidFill>
+                            <a:srgbClr val="000000"/>
+                          </a:solidFill>
+                          <a:effectLst/>
+                          <a:latin typeface="Segoe UI" panose="020B0502040204020203" pitchFamily="34" charset="0"/>
+                          <a:cs typeface="Segoe UI" panose="020B0502040204020203" pitchFamily="34" charset="0"/>
+                        </a:rPr>
+                        <a:t> בעזרת איחוד עם שכבת גושי </a:t>
+                      </a:r>
+                      <a:r>
+                        <a:rPr lang="he-IL" sz="1600" b="0" i="0" u="none" strike="noStrike" baseline="0" dirty="0" err="1">
+                          <a:solidFill>
+                            <a:srgbClr val="000000"/>
+                          </a:solidFill>
+                          <a:effectLst/>
+                          <a:latin typeface="Segoe UI" panose="020B0502040204020203" pitchFamily="34" charset="0"/>
+                          <a:cs typeface="Segoe UI" panose="020B0502040204020203" pitchFamily="34" charset="0"/>
+                        </a:rPr>
+                        <a:t>קדסטר</a:t>
+                      </a:r>
+                      <a:endParaRPr lang="en-US" sz="1600" b="0" i="0" u="none" strike="noStrike" dirty="0">
+                        <a:solidFill>
+                          <a:srgbClr val="000000"/>
+                        </a:solidFill>
+                        <a:effectLst/>
+                        <a:latin typeface="Segoe UI" panose="020B0502040204020203" pitchFamily="34" charset="0"/>
+                        <a:cs typeface="Segoe UI" panose="020B0502040204020203" pitchFamily="34" charset="0"/>
+                      </a:endParaRPr>
+                    </a:p>
+                  </a:txBody>
+                  <a:tcPr marL="9525" marR="9525" marT="9525" marB="0" anchor="ctr">
+                    <a:solidFill>
+                      <a:schemeClr val="bg1"/>
+                    </a:solidFill>
+                  </a:tcPr>
+                </a:tc>
+                <a:extLst>
+                  <a:ext uri="{0D108BD9-81ED-4DB2-BD59-A6C34878D82A}">
+                    <a16:rowId xmlns:a16="http://schemas.microsoft.com/office/drawing/2014/main" val="3429254311"/>
+                  </a:ext>
+                </a:extLst>
+              </a:tr>
+              <a:tr h="361466">
+                <a:tc>
+                  <a:txBody>
+                    <a:bodyPr/>
+                    <a:lstStyle/>
+                    <a:p>
+                      <a:pPr algn="ctr" rtl="0" fontAlgn="b"/>
+                      <a:r>
+                        <a:rPr lang="en-US" sz="1400" b="0" i="0" u="none" strike="noStrike" dirty="0" err="1">
+                          <a:solidFill>
+                            <a:srgbClr val="000000"/>
+                          </a:solidFill>
+                          <a:effectLst/>
+                          <a:latin typeface="+mn-lt"/>
+                          <a:cs typeface="+mn-cs"/>
+                        </a:rPr>
+                        <a:t>CPBCreateProcessUniqueID</a:t>
                       </a:r>
                       <a:endParaRPr lang="en-US" sz="1400" b="0" i="0" u="none" strike="noStrike" dirty="0">
                         <a:solidFill>
@@ -9620,7 +9355,7 @@
                     <a:p>
                       <a:pPr lvl="1" algn="r" rtl="1" fontAlgn="b"/>
                       <a:r>
-                        <a:rPr lang="he-IL" sz="1600" b="0" i="0" u="none" strike="noStrike" dirty="0" smtClean="0">
+                        <a:rPr lang="he-IL" sz="1600" b="0" i="0" u="none" strike="noStrike" dirty="0">
                           <a:solidFill>
                             <a:srgbClr val="000000"/>
                           </a:solidFill>
@@ -9628,10 +9363,10 @@
                           <a:latin typeface="Segoe UI" panose="020B0502040204020203" pitchFamily="34" charset="0"/>
                           <a:cs typeface="Segoe UI" panose="020B0502040204020203" pitchFamily="34" charset="0"/>
                         </a:rPr>
-                        <a:t>נלקח</a:t>
-                      </a:r>
-                      <a:r>
-                        <a:rPr lang="he-IL" sz="1600" b="0" i="0" u="none" strike="noStrike" baseline="0" dirty="0" smtClean="0">
+                        <a:t>נלקח בעזרת איחוד עם שכבת</a:t>
+                      </a:r>
+                      <a:r>
+                        <a:rPr lang="he-IL" sz="1600" b="0" i="0" u="none" strike="noStrike" baseline="0" dirty="0">
                           <a:solidFill>
                             <a:srgbClr val="000000"/>
                           </a:solidFill>
@@ -9639,10 +9374,10 @@
                           <a:latin typeface="Segoe UI" panose="020B0502040204020203" pitchFamily="34" charset="0"/>
                           <a:cs typeface="Segoe UI" panose="020B0502040204020203" pitchFamily="34" charset="0"/>
                         </a:rPr>
-                        <a:t> בעזרת איחוד עם שכבת גושי </a:t>
-                      </a:r>
-                      <a:r>
-                        <a:rPr lang="he-IL" sz="1600" b="0" i="0" u="none" strike="noStrike" baseline="0" dirty="0" err="1" smtClean="0">
+                        <a:t> גבולות תהליכי </a:t>
+                      </a:r>
+                      <a:r>
+                        <a:rPr lang="he-IL" sz="1600" b="0" i="0" u="none" strike="noStrike" baseline="0" dirty="0" err="1">
                           <a:solidFill>
                             <a:srgbClr val="000000"/>
                           </a:solidFill>
@@ -9653,101 +9388,6 @@
                         <a:t>קדסטר</a:t>
                       </a:r>
                       <a:endParaRPr lang="en-US" sz="1600" b="0" i="0" u="none" strike="noStrike" dirty="0">
-                        <a:solidFill>
-                          <a:srgbClr val="000000"/>
-                        </a:solidFill>
-                        <a:effectLst/>
-                        <a:latin typeface="Segoe UI" panose="020B0502040204020203" pitchFamily="34" charset="0"/>
-                        <a:cs typeface="Segoe UI" panose="020B0502040204020203" pitchFamily="34" charset="0"/>
-                      </a:endParaRPr>
-                    </a:p>
-                  </a:txBody>
-                  <a:tcPr marL="9525" marR="9525" marT="9525" marB="0" anchor="ctr">
-                    <a:solidFill>
-                      <a:schemeClr val="bg1"/>
-                    </a:solidFill>
-                  </a:tcPr>
-                </a:tc>
-                <a:extLst>
-                  <a:ext uri="{0D108BD9-81ED-4DB2-BD59-A6C34878D82A}">
-                    <a16:rowId xmlns:a16="http://schemas.microsoft.com/office/drawing/2014/main" val="3429254311"/>
-                  </a:ext>
-                </a:extLst>
-              </a:tr>
-              <a:tr h="361466">
-                <a:tc>
-                  <a:txBody>
-                    <a:bodyPr/>
-                    <a:lstStyle/>
-                    <a:p>
-                      <a:pPr algn="ctr" rtl="0" fontAlgn="b"/>
-                      <a:r>
-                        <a:rPr lang="en-US" sz="1400" b="0" i="0" u="none" strike="noStrike" dirty="0" err="1" smtClean="0">
-                          <a:solidFill>
-                            <a:srgbClr val="000000"/>
-                          </a:solidFill>
-                          <a:effectLst/>
-                          <a:latin typeface="+mn-lt"/>
-                          <a:cs typeface="+mn-cs"/>
-                        </a:rPr>
-                        <a:t>CPBCreateProcessUniqueID</a:t>
-                      </a:r>
-                      <a:endParaRPr lang="en-US" sz="1400" b="0" i="0" u="none" strike="noStrike" dirty="0">
-                        <a:solidFill>
-                          <a:srgbClr val="000000"/>
-                        </a:solidFill>
-                        <a:effectLst/>
-                        <a:latin typeface="+mn-lt"/>
-                        <a:cs typeface="+mn-cs"/>
-                      </a:endParaRPr>
-                    </a:p>
-                  </a:txBody>
-                  <a:tcPr marL="9525" marR="9525" marT="9525" marB="0" anchor="ctr">
-                    <a:solidFill>
-                      <a:schemeClr val="bg1"/>
-                    </a:solidFill>
-                  </a:tcPr>
-                </a:tc>
-                <a:tc>
-                  <a:txBody>
-                    <a:bodyPr/>
-                    <a:lstStyle/>
-                    <a:p>
-                      <a:pPr lvl="1" algn="r" rtl="1" fontAlgn="b"/>
-                      <a:r>
-                        <a:rPr lang="he-IL" sz="1600" b="0" i="0" u="none" strike="noStrike" dirty="0" smtClean="0">
-                          <a:solidFill>
-                            <a:srgbClr val="000000"/>
-                          </a:solidFill>
-                          <a:effectLst/>
-                          <a:latin typeface="Segoe UI" panose="020B0502040204020203" pitchFamily="34" charset="0"/>
-                          <a:cs typeface="Segoe UI" panose="020B0502040204020203" pitchFamily="34" charset="0"/>
-                        </a:rPr>
-                        <a:t>נלקח בעזרת איחוד עם שכבת</a:t>
-                      </a:r>
-                      <a:r>
-                        <a:rPr lang="he-IL" sz="1600" b="0" i="0" u="none" strike="noStrike" baseline="0" dirty="0" smtClean="0">
-                          <a:solidFill>
-                            <a:srgbClr val="000000"/>
-                          </a:solidFill>
-                          <a:effectLst/>
-                          <a:latin typeface="Segoe UI" panose="020B0502040204020203" pitchFamily="34" charset="0"/>
-                          <a:cs typeface="Segoe UI" panose="020B0502040204020203" pitchFamily="34" charset="0"/>
-                        </a:rPr>
-                        <a:t> גבולות תהליכי </a:t>
-                      </a:r>
-                      <a:r>
-                        <a:rPr lang="he-IL" sz="1600" b="0" i="0" u="none" strike="noStrike" baseline="0" dirty="0" err="1" smtClean="0">
-                          <a:solidFill>
-                            <a:srgbClr val="000000"/>
-                          </a:solidFill>
-                          <a:effectLst/>
-                          <a:latin typeface="Segoe UI" panose="020B0502040204020203" pitchFamily="34" charset="0"/>
-                          <a:cs typeface="Segoe UI" panose="020B0502040204020203" pitchFamily="34" charset="0"/>
-                        </a:rPr>
-                        <a:t>קדסטר</a:t>
-                      </a:r>
-                      <a:endParaRPr lang="en-US" sz="1600" b="0" i="0" u="none" strike="noStrike" dirty="0" smtClean="0">
                         <a:solidFill>
                           <a:srgbClr val="000000"/>
                         </a:solidFill>
@@ -9793,7 +9433,7 @@
                         <a:defRPr/>
                       </a:pPr>
                       <a:r>
-                        <a:rPr lang="en-US" sz="1400" b="0" kern="1200" dirty="0" err="1" smtClean="0">
+                        <a:rPr lang="en-US" sz="1400" b="0" kern="1200" dirty="0" err="1">
                           <a:solidFill>
                             <a:schemeClr val="tx1"/>
                           </a:solidFill>
@@ -9804,7 +9444,7 @@
                         </a:rPr>
                         <a:t>CPBUpdateProcessUniqueID</a:t>
                       </a:r>
-                      <a:endParaRPr lang="en-US" sz="1400" b="0" kern="1200" dirty="0" smtClean="0">
+                      <a:endParaRPr lang="en-US" sz="1400" b="0" kern="1200" dirty="0">
                         <a:solidFill>
                           <a:schemeClr val="tx1"/>
                         </a:solidFill>
@@ -9844,7 +9484,7 @@
                         <a:defRPr/>
                       </a:pPr>
                       <a:r>
-                        <a:rPr lang="he-IL" sz="1600" b="0" i="0" u="none" strike="noStrike" dirty="0" smtClean="0">
+                        <a:rPr lang="he-IL" sz="1600" b="0" i="0" u="none" strike="noStrike" dirty="0">
                           <a:solidFill>
                             <a:srgbClr val="000000"/>
                           </a:solidFill>
@@ -9855,7 +9495,7 @@
                         <a:t>נלקח בעזרת איחוד עם שכבת</a:t>
                       </a:r>
                       <a:r>
-                        <a:rPr lang="he-IL" sz="1600" b="0" i="0" u="none" strike="noStrike" baseline="0" dirty="0" smtClean="0">
+                        <a:rPr lang="he-IL" sz="1600" b="0" i="0" u="none" strike="noStrike" baseline="0" dirty="0">
                           <a:solidFill>
                             <a:srgbClr val="000000"/>
                           </a:solidFill>
@@ -9866,7 +9506,7 @@
                         <a:t> גבולות תהליכי </a:t>
                       </a:r>
                       <a:r>
-                        <a:rPr lang="he-IL" sz="1600" b="0" i="0" u="none" strike="noStrike" baseline="0" dirty="0" err="1" smtClean="0">
+                        <a:rPr lang="he-IL" sz="1600" b="0" i="0" u="none" strike="noStrike" baseline="0" dirty="0" err="1">
                           <a:solidFill>
                             <a:srgbClr val="000000"/>
                           </a:solidFill>
@@ -9876,7 +9516,7 @@
                         </a:rPr>
                         <a:t>קדסטר</a:t>
                       </a:r>
-                      <a:endParaRPr lang="en-US" sz="1600" b="0" i="0" u="none" strike="noStrike" dirty="0" smtClean="0">
+                      <a:endParaRPr lang="en-US" sz="1600" b="0" i="0" u="none" strike="noStrike" dirty="0">
                         <a:solidFill>
                           <a:srgbClr val="000000"/>
                         </a:solidFill>
@@ -9922,7 +9562,7 @@
                         <a:defRPr/>
                       </a:pPr>
                       <a:r>
-                        <a:rPr lang="en-US" sz="1400" b="0" kern="1200" dirty="0" err="1" smtClean="0">
+                        <a:rPr lang="en-US" sz="1400" b="0" kern="1200" dirty="0" err="1">
                           <a:solidFill>
                             <a:schemeClr val="tx1"/>
                           </a:solidFill>
@@ -9933,7 +9573,7 @@
                         </a:rPr>
                         <a:t>CPBCancelProcessUniqueID</a:t>
                       </a:r>
-                      <a:endParaRPr lang="en-US" sz="1400" b="0" kern="1200" dirty="0" smtClean="0">
+                      <a:endParaRPr lang="en-US" sz="1400" b="0" kern="1200" dirty="0">
                         <a:solidFill>
                           <a:schemeClr val="tx1"/>
                         </a:solidFill>
@@ -9973,7 +9613,7 @@
                         <a:defRPr/>
                       </a:pPr>
                       <a:r>
-                        <a:rPr lang="he-IL" sz="1600" b="0" i="0" u="none" strike="noStrike" dirty="0" smtClean="0">
+                        <a:rPr lang="he-IL" sz="1600" b="0" i="0" u="none" strike="noStrike" dirty="0">
                           <a:solidFill>
                             <a:srgbClr val="000000"/>
                           </a:solidFill>
@@ -9983,7 +9623,7 @@
                         </a:rPr>
                         <a:t>ללא ערכים</a:t>
                       </a:r>
-                      <a:endParaRPr lang="en-US" sz="1600" b="0" i="0" u="none" strike="noStrike" dirty="0" smtClean="0">
+                      <a:endParaRPr lang="en-US" sz="1600" b="0" i="0" u="none" strike="noStrike" dirty="0">
                         <a:solidFill>
                           <a:srgbClr val="000000"/>
                         </a:solidFill>
@@ -10020,13 +9660,6 @@
     <a:masterClrMapping/>
   </p:clrMapOvr>
   <p:transition/>
-  <p:timing>
-    <p:tnLst>
-      <p:par>
-        <p:cTn id="1" dur="indefinite" restart="never" nodeType="tmRoot"/>
-      </p:par>
-    </p:tnLst>
-  </p:timing>
 </p:sld>
 </file>
 
@@ -10101,7 +9734,7 @@
           <a:p>
             <a:pPr algn="r"/>
             <a:r>
-              <a:rPr lang="he-IL" sz="3600" dirty="0" smtClean="0">
+              <a:rPr lang="he-IL" sz="3600" dirty="0">
                 <a:solidFill>
                   <a:srgbClr val="002060"/>
                 </a:solidFill>
@@ -10110,13 +9743,6 @@
               </a:rPr>
               <a:t>תוצאות וכמויות</a:t>
             </a:r>
-            <a:endParaRPr lang="he-IL" sz="3600" dirty="0">
-              <a:solidFill>
-                <a:srgbClr val="002060"/>
-              </a:solidFill>
-              <a:latin typeface="+mn-lt"/>
-              <a:cs typeface="Calibri" panose="020F0502020204030204" pitchFamily="34" charset="0"/>
-            </a:endParaRPr>
           </a:p>
         </p:txBody>
       </p:sp>
@@ -10168,7 +9794,7 @@
                     <a:p>
                       <a:pPr algn="ctr" rtl="1" fontAlgn="b"/>
                       <a:r>
-                        <a:rPr lang="en-US" sz="1200" b="0" u="none" strike="noStrike" dirty="0" smtClean="0">
+                        <a:rPr lang="en-US" sz="1200" b="0" u="none" strike="noStrike" dirty="0">
                           <a:effectLst/>
                         </a:rPr>
                         <a:t>ParcelType</a:t>
@@ -10198,7 +9824,7 @@
                     <a:p>
                       <a:pPr algn="ctr" rtl="1" fontAlgn="b"/>
                       <a:r>
-                        <a:rPr lang="he-IL" sz="1200" b="0" u="none" strike="noStrike" dirty="0" smtClean="0">
+                        <a:rPr lang="he-IL" sz="1200" b="0" u="none" strike="noStrike" dirty="0">
                           <a:effectLst/>
                         </a:rPr>
                         <a:t>כמות</a:t>
@@ -10251,7 +9877,7 @@
                         <a:defRPr/>
                       </a:pPr>
                       <a:r>
-                        <a:rPr lang="en-US" sz="1200" b="0" kern="1200" dirty="0" smtClean="0">
+                        <a:rPr lang="en-US" sz="1200" b="0" kern="1200" dirty="0">
                           <a:solidFill>
                             <a:schemeClr val="tx1"/>
                           </a:solidFill>
@@ -10277,7 +9903,7 @@
                     <a:p>
                       <a:pPr lvl="1" algn="ctr" rtl="0" fontAlgn="b"/>
                       <a:r>
-                        <a:rPr lang="en-US" sz="1200" b="0" i="0" u="none" strike="noStrike" dirty="0" smtClean="0">
+                        <a:rPr lang="en-US" sz="1200" b="0" i="0" u="none" strike="noStrike" dirty="0">
                           <a:solidFill>
                             <a:srgbClr val="000000"/>
                           </a:solidFill>
@@ -10287,14 +9913,6 @@
                         </a:rPr>
                         <a:t>181,062</a:t>
                       </a:r>
-                      <a:endParaRPr lang="en-US" sz="1200" b="0" i="0" u="none" strike="noStrike" dirty="0">
-                        <a:solidFill>
-                          <a:srgbClr val="000000"/>
-                        </a:solidFill>
-                        <a:effectLst/>
-                        <a:latin typeface="Segoe UI" panose="020B0502040204020203" pitchFamily="34" charset="0"/>
-                        <a:cs typeface="Segoe UI" panose="020B0502040204020203" pitchFamily="34" charset="0"/>
-                      </a:endParaRPr>
                     </a:p>
                   </a:txBody>
                   <a:tcPr marL="9525" marR="9525" marT="9525" marB="0" anchor="ctr">
@@ -10333,7 +9951,7 @@
                         <a:defRPr/>
                       </a:pPr>
                       <a:r>
-                        <a:rPr lang="en-US" sz="1200" b="0" kern="1200" dirty="0" smtClean="0">
+                        <a:rPr lang="en-US" sz="1200" b="0" kern="1200" dirty="0">
                           <a:solidFill>
                             <a:schemeClr val="tx1"/>
                           </a:solidFill>
@@ -10359,7 +9977,7 @@
                     <a:p>
                       <a:pPr lvl="1" algn="ctr" rtl="0" fontAlgn="b"/>
                       <a:r>
-                        <a:rPr lang="en-US" sz="1200" b="0" i="0" u="none" strike="noStrike" dirty="0" smtClean="0">
+                        <a:rPr lang="en-US" sz="1200" b="0" i="0" u="none" strike="noStrike" dirty="0">
                           <a:solidFill>
                             <a:srgbClr val="000000"/>
                           </a:solidFill>
@@ -10369,14 +9987,6 @@
                         </a:rPr>
                         <a:t>97,387</a:t>
                       </a:r>
-                      <a:endParaRPr lang="en-US" sz="1200" b="0" i="0" u="none" strike="noStrike" dirty="0">
-                        <a:solidFill>
-                          <a:srgbClr val="000000"/>
-                        </a:solidFill>
-                        <a:effectLst/>
-                        <a:latin typeface="Segoe UI" panose="020B0502040204020203" pitchFamily="34" charset="0"/>
-                        <a:cs typeface="Segoe UI" panose="020B0502040204020203" pitchFamily="34" charset="0"/>
-                      </a:endParaRPr>
                     </a:p>
                   </a:txBody>
                   <a:tcPr marL="9525" marR="9525" marT="9525" marB="0" anchor="ctr">
@@ -10443,7 +10053,7 @@
                     <a:p>
                       <a:pPr algn="ctr" rtl="1" fontAlgn="b"/>
                       <a:r>
-                        <a:rPr lang="en-US" sz="1200" b="0" u="none" strike="noStrike" dirty="0" smtClean="0">
+                        <a:rPr lang="en-US" sz="1200" b="0" u="none" strike="noStrike" dirty="0">
                           <a:effectLst/>
                         </a:rPr>
                         <a:t>CreateProcessType</a:t>
@@ -10473,7 +10083,7 @@
                     <a:p>
                       <a:pPr algn="ctr" rtl="1" fontAlgn="b"/>
                       <a:r>
-                        <a:rPr lang="he-IL" sz="1200" b="0" u="none" strike="noStrike" dirty="0" smtClean="0">
+                        <a:rPr lang="he-IL" sz="1200" b="0" u="none" strike="noStrike" dirty="0">
                           <a:effectLst/>
                         </a:rPr>
                         <a:t>כמות</a:t>
@@ -10526,7 +10136,7 @@
                         <a:defRPr/>
                       </a:pPr>
                       <a:r>
-                        <a:rPr lang="en-US" sz="1200" b="0" kern="1200" dirty="0" smtClean="0">
+                        <a:rPr lang="en-US" sz="1200" b="0" kern="1200" dirty="0">
                           <a:solidFill>
                             <a:schemeClr val="tx1"/>
                           </a:solidFill>
@@ -10552,7 +10162,7 @@
                     <a:p>
                       <a:pPr lvl="1" algn="ctr" rtl="0" fontAlgn="b"/>
                       <a:r>
-                        <a:rPr lang="en-US" sz="1200" b="0" i="0" u="none" strike="noStrike" dirty="0" smtClean="0">
+                        <a:rPr lang="en-US" sz="1200" b="0" i="0" u="none" strike="noStrike" dirty="0">
                           <a:solidFill>
                             <a:srgbClr val="000000"/>
                           </a:solidFill>
@@ -10562,14 +10172,6 @@
                         </a:rPr>
                         <a:t>241,202</a:t>
                       </a:r>
-                      <a:endParaRPr lang="en-US" sz="1200" b="0" i="0" u="none" strike="noStrike" dirty="0">
-                        <a:solidFill>
-                          <a:srgbClr val="000000"/>
-                        </a:solidFill>
-                        <a:effectLst/>
-                        <a:latin typeface="Segoe UI" panose="020B0502040204020203" pitchFamily="34" charset="0"/>
-                        <a:cs typeface="Segoe UI" panose="020B0502040204020203" pitchFamily="34" charset="0"/>
-                      </a:endParaRPr>
                     </a:p>
                   </a:txBody>
                   <a:tcPr marL="9525" marR="9525" marT="9525" marB="0" anchor="ctr">
@@ -10608,7 +10210,7 @@
                         <a:defRPr/>
                       </a:pPr>
                       <a:r>
-                        <a:rPr lang="en-US" sz="1200" b="0" kern="1200" dirty="0" smtClean="0">
+                        <a:rPr lang="en-US" sz="1200" b="0" kern="1200" dirty="0">
                           <a:solidFill>
                             <a:schemeClr val="tx1"/>
                           </a:solidFill>
@@ -10634,7 +10236,7 @@
                     <a:p>
                       <a:pPr lvl="1" algn="ctr" rtl="0" fontAlgn="b"/>
                       <a:r>
-                        <a:rPr lang="en-US" sz="1200" b="0" i="0" u="none" strike="noStrike" dirty="0" smtClean="0">
+                        <a:rPr lang="en-US" sz="1200" b="0" i="0" u="none" strike="noStrike" dirty="0">
                           <a:solidFill>
                             <a:srgbClr val="000000"/>
                           </a:solidFill>
@@ -10644,14 +10246,6 @@
                         </a:rPr>
                         <a:t>20,276</a:t>
                       </a:r>
-                      <a:endParaRPr lang="en-US" sz="1200" b="0" i="0" u="none" strike="noStrike" dirty="0">
-                        <a:solidFill>
-                          <a:srgbClr val="000000"/>
-                        </a:solidFill>
-                        <a:effectLst/>
-                        <a:latin typeface="Segoe UI" panose="020B0502040204020203" pitchFamily="34" charset="0"/>
-                        <a:cs typeface="Segoe UI" panose="020B0502040204020203" pitchFamily="34" charset="0"/>
-                      </a:endParaRPr>
                     </a:p>
                   </a:txBody>
                   <a:tcPr marL="9525" marR="9525" marT="9525" marB="0" anchor="ctr">
@@ -10690,7 +10284,7 @@
                         <a:defRPr/>
                       </a:pPr>
                       <a:r>
-                        <a:rPr lang="en-US" sz="1200" b="0" kern="1200" dirty="0" smtClean="0">
+                        <a:rPr lang="en-US" sz="1200" b="0" kern="1200" dirty="0">
                           <a:solidFill>
                             <a:schemeClr val="tx1"/>
                           </a:solidFill>
@@ -10716,7 +10310,7 @@
                     <a:p>
                       <a:pPr lvl="1" algn="ctr" rtl="0" fontAlgn="b"/>
                       <a:r>
-                        <a:rPr lang="en-US" sz="1200" b="0" i="0" u="none" strike="noStrike" dirty="0" smtClean="0">
+                        <a:rPr lang="en-US" sz="1200" b="0" i="0" u="none" strike="noStrike" dirty="0">
                           <a:solidFill>
                             <a:srgbClr val="000000"/>
                           </a:solidFill>
@@ -10726,14 +10320,6 @@
                         </a:rPr>
                         <a:t>4,841</a:t>
                       </a:r>
-                      <a:endParaRPr lang="en-US" sz="1200" b="0" i="0" u="none" strike="noStrike" dirty="0">
-                        <a:solidFill>
-                          <a:srgbClr val="000000"/>
-                        </a:solidFill>
-                        <a:effectLst/>
-                        <a:latin typeface="Segoe UI" panose="020B0502040204020203" pitchFamily="34" charset="0"/>
-                        <a:cs typeface="Segoe UI" panose="020B0502040204020203" pitchFamily="34" charset="0"/>
-                      </a:endParaRPr>
                     </a:p>
                   </a:txBody>
                   <a:tcPr marL="9525" marR="9525" marT="9525" marB="0" anchor="ctr">
@@ -10772,7 +10358,7 @@
                         <a:defRPr/>
                       </a:pPr>
                       <a:r>
-                        <a:rPr lang="en-US" sz="1200" b="0" kern="1200" dirty="0" smtClean="0">
+                        <a:rPr lang="en-US" sz="1200" b="0" kern="1200" dirty="0">
                           <a:solidFill>
                             <a:schemeClr val="tx1"/>
                           </a:solidFill>
@@ -10798,7 +10384,7 @@
                     <a:p>
                       <a:pPr lvl="1" algn="ctr" rtl="0" fontAlgn="b"/>
                       <a:r>
-                        <a:rPr lang="en-US" sz="1200" b="0" i="0" u="none" strike="noStrike" dirty="0" smtClean="0">
+                        <a:rPr lang="en-US" sz="1200" b="0" i="0" u="none" strike="noStrike" dirty="0">
                           <a:solidFill>
                             <a:srgbClr val="000000"/>
                           </a:solidFill>
@@ -10808,14 +10394,6 @@
                         </a:rPr>
                         <a:t>12,107</a:t>
                       </a:r>
-                      <a:endParaRPr lang="en-US" sz="1200" b="0" i="0" u="none" strike="noStrike" dirty="0">
-                        <a:solidFill>
-                          <a:srgbClr val="000000"/>
-                        </a:solidFill>
-                        <a:effectLst/>
-                        <a:latin typeface="Segoe UI" panose="020B0502040204020203" pitchFamily="34" charset="0"/>
-                        <a:cs typeface="Segoe UI" panose="020B0502040204020203" pitchFamily="34" charset="0"/>
-                      </a:endParaRPr>
                     </a:p>
                   </a:txBody>
                   <a:tcPr marL="9525" marR="9525" marT="9525" marB="0" anchor="ctr">
@@ -10854,7 +10432,7 @@
                         <a:defRPr/>
                       </a:pPr>
                       <a:r>
-                        <a:rPr lang="en-US" sz="1200" b="0" kern="1200" dirty="0" smtClean="0">
+                        <a:rPr lang="en-US" sz="1200" b="0" kern="1200" dirty="0">
                           <a:solidFill>
                             <a:schemeClr val="tx1"/>
                           </a:solidFill>
@@ -10880,7 +10458,7 @@
                     <a:p>
                       <a:pPr lvl="1" algn="ctr" rtl="0" fontAlgn="b"/>
                       <a:r>
-                        <a:rPr lang="en-US" sz="1200" b="0" i="0" u="none" strike="noStrike" dirty="0" smtClean="0">
+                        <a:rPr lang="en-US" sz="1200" b="0" i="0" u="none" strike="noStrike" dirty="0">
                           <a:solidFill>
                             <a:srgbClr val="000000"/>
                           </a:solidFill>
@@ -10890,14 +10468,6 @@
                         </a:rPr>
                         <a:t>23</a:t>
                       </a:r>
-                      <a:endParaRPr lang="en-US" sz="1200" b="0" i="0" u="none" strike="noStrike" dirty="0">
-                        <a:solidFill>
-                          <a:srgbClr val="000000"/>
-                        </a:solidFill>
-                        <a:effectLst/>
-                        <a:latin typeface="Segoe UI" panose="020B0502040204020203" pitchFamily="34" charset="0"/>
-                        <a:cs typeface="Segoe UI" panose="020B0502040204020203" pitchFamily="34" charset="0"/>
-                      </a:endParaRPr>
                     </a:p>
                   </a:txBody>
                   <a:tcPr marL="9525" marR="9525" marT="9525" marB="0" anchor="ctr">
@@ -10964,7 +10534,7 @@
                     <a:p>
                       <a:pPr algn="ctr" rtl="1" fontAlgn="b"/>
                       <a:r>
-                        <a:rPr lang="en-US" sz="1200" b="0" i="0" u="none" strike="noStrike" dirty="0" err="1" smtClean="0">
+                        <a:rPr lang="en-US" sz="1200" b="0" i="0" u="none" strike="noStrike" dirty="0" err="1">
                           <a:solidFill>
                             <a:schemeClr val="tx1"/>
                           </a:solidFill>
@@ -10998,7 +10568,7 @@
                     <a:p>
                       <a:pPr algn="ctr" rtl="1" fontAlgn="b"/>
                       <a:r>
-                        <a:rPr lang="he-IL" sz="1200" b="0" u="none" strike="noStrike" dirty="0" smtClean="0">
+                        <a:rPr lang="he-IL" sz="1200" b="0" u="none" strike="noStrike" dirty="0">
                           <a:effectLst/>
                         </a:rPr>
                         <a:t>כמות</a:t>
@@ -11051,7 +10621,7 @@
                         <a:defRPr/>
                       </a:pPr>
                       <a:r>
-                        <a:rPr lang="en-US" sz="1200" b="0" kern="1200" dirty="0" smtClean="0">
+                        <a:rPr lang="en-US" sz="1200" b="0" kern="1200" dirty="0">
                           <a:solidFill>
                             <a:schemeClr val="tx1"/>
                           </a:solidFill>
@@ -11077,7 +10647,7 @@
                     <a:p>
                       <a:pPr lvl="1" algn="ctr" rtl="0" fontAlgn="b"/>
                       <a:r>
-                        <a:rPr lang="en-US" sz="1200" b="0" i="0" u="none" strike="noStrike" dirty="0" smtClean="0">
+                        <a:rPr lang="en-US" sz="1200" b="0" i="0" u="none" strike="noStrike" dirty="0">
                           <a:solidFill>
                             <a:srgbClr val="000000"/>
                           </a:solidFill>
@@ -11087,14 +10657,6 @@
                         </a:rPr>
                         <a:t>70,149</a:t>
                       </a:r>
-                      <a:endParaRPr lang="en-US" sz="1200" b="0" i="0" u="none" strike="noStrike" dirty="0">
-                        <a:solidFill>
-                          <a:srgbClr val="000000"/>
-                        </a:solidFill>
-                        <a:effectLst/>
-                        <a:latin typeface="Segoe UI" panose="020B0502040204020203" pitchFamily="34" charset="0"/>
-                        <a:cs typeface="Segoe UI" panose="020B0502040204020203" pitchFamily="34" charset="0"/>
-                      </a:endParaRPr>
                     </a:p>
                   </a:txBody>
                   <a:tcPr marL="9525" marR="9525" marT="9525" marB="0" anchor="ctr">
@@ -11133,7 +10695,7 @@
                         <a:defRPr/>
                       </a:pPr>
                       <a:r>
-                        <a:rPr lang="en-US" sz="1200" b="0" kern="1200" dirty="0" smtClean="0">
+                        <a:rPr lang="en-US" sz="1200" b="0" kern="1200" dirty="0">
                           <a:solidFill>
                             <a:schemeClr val="tx1"/>
                           </a:solidFill>
@@ -11159,7 +10721,7 @@
                     <a:p>
                       <a:pPr lvl="1" algn="ctr" rtl="0" fontAlgn="b"/>
                       <a:r>
-                        <a:rPr lang="en-US" sz="1200" b="0" i="0" u="none" strike="noStrike" dirty="0" smtClean="0">
+                        <a:rPr lang="en-US" sz="1200" b="0" i="0" u="none" strike="noStrike" dirty="0">
                           <a:solidFill>
                             <a:srgbClr val="000000"/>
                           </a:solidFill>
@@ -11169,14 +10731,6 @@
                         </a:rPr>
                         <a:t>208,300</a:t>
                       </a:r>
-                      <a:endParaRPr lang="en-US" sz="1200" b="0" i="0" u="none" strike="noStrike" dirty="0">
-                        <a:solidFill>
-                          <a:srgbClr val="000000"/>
-                        </a:solidFill>
-                        <a:effectLst/>
-                        <a:latin typeface="Segoe UI" panose="020B0502040204020203" pitchFamily="34" charset="0"/>
-                        <a:cs typeface="Segoe UI" panose="020B0502040204020203" pitchFamily="34" charset="0"/>
-                      </a:endParaRPr>
                     </a:p>
                   </a:txBody>
                   <a:tcPr marL="9525" marR="9525" marT="9525" marB="0" anchor="ctr">
@@ -11206,13 +10760,6 @@
     <a:masterClrMapping/>
   </p:clrMapOvr>
   <p:transition/>
-  <p:timing>
-    <p:tnLst>
-      <p:par>
-        <p:cTn id="1" dur="indefinite" restart="never" nodeType="tmRoot"/>
-      </p:par>
-    </p:tnLst>
-  </p:timing>
 </p:sld>
 </file>
 
